--- a/assets/reports/YYYYMMDD_template.pptx
+++ b/assets/reports/YYYYMMDD_template.pptx
@@ -211,7 +211,7 @@
           <a:p>
             <a:fld id="{B4F92756-C5E1-414C-8D5B-61B7E77715E2}" type="datetimeFigureOut">
               <a:rPr lang="en-US" smtClean="0"/>
-              <a:t>10/11/2020</a:t>
+              <a:t>10/14/2020</a:t>
             </a:fld>
             <a:endParaRPr lang="en-US"/>
           </a:p>
@@ -381,7 +381,7 @@
           <a:p>
             <a:fld id="{DBA1148A-302C-4EB9-A1FB-86FEBAF3649D}" type="datetimeFigureOut">
               <a:rPr lang="en-US" smtClean="0"/>
-              <a:t>10/11/2020</a:t>
+              <a:t>10/14/2020</a:t>
             </a:fld>
             <a:endParaRPr lang="en-US"/>
           </a:p>
@@ -924,7 +924,7 @@
           <a:p>
             <a:fld id="{D297983E-23AF-46F8-876A-BC580C1FAACC}" type="datetime1">
               <a:rPr lang="en-US" smtClean="0"/>
-              <a:t>10/11/2020</a:t>
+              <a:t>10/14/2020</a:t>
             </a:fld>
             <a:endParaRPr lang="en-US"/>
           </a:p>
@@ -1120,7 +1120,7 @@
           <a:p>
             <a:fld id="{52A45906-4D2D-4E18-B9FE-9E3145B39EAE}" type="datetime1">
               <a:rPr lang="en-US" smtClean="0"/>
-              <a:t>10/11/2020</a:t>
+              <a:t>10/14/2020</a:t>
             </a:fld>
             <a:endParaRPr lang="en-US"/>
           </a:p>
@@ -7434,7 +7434,7 @@
           <a:p>
             <a:fld id="{456A3C91-B8C5-425F-9BFC-06B81986C584}" type="datetime1">
               <a:rPr lang="en-US" smtClean="0"/>
-              <a:t>10/11/2020</a:t>
+              <a:t>10/14/2020</a:t>
             </a:fld>
             <a:endParaRPr lang="en-US"/>
           </a:p>
@@ -8722,7 +8722,7 @@
           <a:p>
             <a:fld id="{A9D1A30E-DE6B-4770-8757-4DEC6351863C}" type="datetime1">
               <a:rPr lang="en-US" smtClean="0"/>
-              <a:t>10/11/2020</a:t>
+              <a:t>10/14/2020</a:t>
             </a:fld>
             <a:endParaRPr lang="en-US" dirty="0"/>
           </a:p>
@@ -9105,7 +9105,7 @@
           <a:p>
             <a:fld id="{71060DF7-3B66-43F4-ABA6-8DE1125C1915}" type="datetime1">
               <a:rPr lang="en-US" smtClean="0"/>
-              <a:t>10/11/2020</a:t>
+              <a:t>10/14/2020</a:t>
             </a:fld>
             <a:endParaRPr lang="en-US"/>
           </a:p>
@@ -9239,7 +9239,7 @@
           <a:p>
             <a:fld id="{9F8FB16D-8B03-47E2-9BF4-98200CBA3CA6}" type="datetime1">
               <a:rPr lang="en-US" smtClean="0"/>
-              <a:t>10/11/2020</a:t>
+              <a:t>10/14/2020</a:t>
             </a:fld>
             <a:endParaRPr lang="en-US"/>
           </a:p>
@@ -9350,7 +9350,7 @@
           <a:p>
             <a:fld id="{A7875D1E-13AE-46BB-8C89-5C78B94C366E}" type="datetime1">
               <a:rPr lang="en-US" smtClean="0"/>
-              <a:t>10/11/2020</a:t>
+              <a:t>10/14/2020</a:t>
             </a:fld>
             <a:endParaRPr lang="en-US"/>
           </a:p>
@@ -9643,7 +9643,7 @@
           <a:p>
             <a:fld id="{296CB1A1-10B4-4A56-9A36-6D445BD9D6E5}" type="datetime1">
               <a:rPr lang="en-US" smtClean="0"/>
-              <a:t>10/11/2020</a:t>
+              <a:t>10/14/2020</a:t>
             </a:fld>
             <a:endParaRPr lang="en-US"/>
           </a:p>
@@ -9916,7 +9916,7 @@
           <a:p>
             <a:fld id="{ED2AB522-E6A2-4B46-A750-7AF9600B9FCE}" type="datetime1">
               <a:rPr lang="en-US" smtClean="0"/>
-              <a:t>10/11/2020</a:t>
+              <a:t>10/14/2020</a:t>
             </a:fld>
             <a:endParaRPr lang="en-US"/>
           </a:p>
@@ -11119,21 +11119,8 @@
                 <a:ea typeface="Tahoma" panose="020B0604030504040204" pitchFamily="34" charset="0"/>
                 <a:cs typeface="Tahoma" panose="020B0604030504040204" pitchFamily="34" charset="0"/>
               </a:rPr>
-              <a:t>YYYY</a:t>
-            </a:r>
-            <a:r>
-              <a:rPr lang="en-US" dirty="0" smtClean="0">
-                <a:latin typeface="Tahoma" panose="020B0604030504040204" pitchFamily="34" charset="0"/>
-                <a:ea typeface="Tahoma" panose="020B0604030504040204" pitchFamily="34" charset="0"/>
-                <a:cs typeface="Tahoma" panose="020B0604030504040204" pitchFamily="34" charset="0"/>
-              </a:rPr>
-              <a:t>.MM.DD</a:t>
-            </a:r>
-            <a:endParaRPr lang="en-US" dirty="0" smtClean="0">
-              <a:latin typeface="Tahoma" panose="020B0604030504040204" pitchFamily="34" charset="0"/>
-              <a:ea typeface="Tahoma" panose="020B0604030504040204" pitchFamily="34" charset="0"/>
-              <a:cs typeface="Tahoma" panose="020B0604030504040204" pitchFamily="34" charset="0"/>
-            </a:endParaRPr>
+              <a:t>YYYY.MM.DD</a:t>
+            </a:r>
           </a:p>
           <a:p>
             <a:r>
@@ -11498,14 +11485,6 @@
               </a:rPr>
               <a:t>Outline 1</a:t>
             </a:r>
-            <a:endParaRPr lang="en-US" sz="3200" dirty="0" smtClean="0">
-              <a:solidFill>
-                <a:srgbClr val="002060"/>
-              </a:solidFill>
-              <a:latin typeface="Tahoma" panose="020B0604030504040204" pitchFamily="34" charset="0"/>
-              <a:ea typeface="Tahoma" panose="020B0604030504040204" pitchFamily="34" charset="0"/>
-              <a:cs typeface="Tahoma" panose="020B0604030504040204" pitchFamily="34" charset="0"/>
-            </a:endParaRPr>
           </a:p>
           <a:p>
             <a:pPr marL="285750" indent="-285750">
@@ -11637,14 +11616,6 @@
               </a:rPr>
               <a:t>Questions</a:t>
             </a:r>
-            <a:endParaRPr lang="en-US" sz="3200" dirty="0" smtClean="0">
-              <a:solidFill>
-                <a:srgbClr val="002060"/>
-              </a:solidFill>
-              <a:latin typeface="Tahoma" panose="020B0604030504040204" pitchFamily="34" charset="0"/>
-              <a:ea typeface="Tahoma" panose="020B0604030504040204" pitchFamily="34" charset="0"/>
-              <a:cs typeface="Tahoma" panose="020B0604030504040204" pitchFamily="34" charset="0"/>
-            </a:endParaRPr>
           </a:p>
           <a:p>
             <a:pPr marL="457200" indent="-457200">
@@ -11710,6 +11681,36 @@
           </a:p>
         </p:txBody>
       </p:sp>
+      <p:pic>
+        <p:nvPicPr>
+          <p:cNvPr id="8" name="Picture 7"/>
+          <p:cNvPicPr>
+            <a:picLocks noChangeAspect="1"/>
+          </p:cNvPicPr>
+          <p:nvPr/>
+        </p:nvPicPr>
+        <p:blipFill>
+          <a:blip r:embed="rId3" cstate="print">
+            <a:extLst>
+              <a:ext uri="{28A0092B-C50C-407E-A947-70E740481C1C}">
+                <a14:useLocalDpi xmlns:a14="http://schemas.microsoft.com/office/drawing/2010/main" val="0"/>
+              </a:ext>
+            </a:extLst>
+          </a:blip>
+          <a:stretch>
+            <a:fillRect/>
+          </a:stretch>
+        </p:blipFill>
+        <p:spPr>
+          <a:xfrm>
+            <a:off x="11159613" y="144664"/>
+            <a:ext cx="727541" cy="727541"/>
+          </a:xfrm>
+          <a:prstGeom prst="rect">
+            <a:avLst/>
+          </a:prstGeom>
+        </p:spPr>
+      </p:pic>
     </p:spTree>
     <p:extLst>
       <p:ext uri="{BB962C8B-B14F-4D97-AF65-F5344CB8AC3E}">
@@ -12054,6 +12055,36 @@
           </a:p>
         </p:txBody>
       </p:sp>
+      <p:pic>
+        <p:nvPicPr>
+          <p:cNvPr id="8" name="Picture 7"/>
+          <p:cNvPicPr>
+            <a:picLocks noChangeAspect="1"/>
+          </p:cNvPicPr>
+          <p:nvPr/>
+        </p:nvPicPr>
+        <p:blipFill>
+          <a:blip r:embed="rId3" cstate="print">
+            <a:extLst>
+              <a:ext uri="{28A0092B-C50C-407E-A947-70E740481C1C}">
+                <a14:useLocalDpi xmlns:a14="http://schemas.microsoft.com/office/drawing/2010/main" val="0"/>
+              </a:ext>
+            </a:extLst>
+          </a:blip>
+          <a:stretch>
+            <a:fillRect/>
+          </a:stretch>
+        </p:blipFill>
+        <p:spPr>
+          <a:xfrm>
+            <a:off x="11159613" y="144664"/>
+            <a:ext cx="727541" cy="727541"/>
+          </a:xfrm>
+          <a:prstGeom prst="rect">
+            <a:avLst/>
+          </a:prstGeom>
+        </p:spPr>
+      </p:pic>
     </p:spTree>
     <p:extLst>
       <p:ext uri="{BB962C8B-B14F-4D97-AF65-F5344CB8AC3E}">
@@ -12398,6 +12429,36 @@
           </a:p>
         </p:txBody>
       </p:sp>
+      <p:pic>
+        <p:nvPicPr>
+          <p:cNvPr id="8" name="Picture 7"/>
+          <p:cNvPicPr>
+            <a:picLocks noChangeAspect="1"/>
+          </p:cNvPicPr>
+          <p:nvPr/>
+        </p:nvPicPr>
+        <p:blipFill>
+          <a:blip r:embed="rId3" cstate="print">
+            <a:extLst>
+              <a:ext uri="{28A0092B-C50C-407E-A947-70E740481C1C}">
+                <a14:useLocalDpi xmlns:a14="http://schemas.microsoft.com/office/drawing/2010/main" val="0"/>
+              </a:ext>
+            </a:extLst>
+          </a:blip>
+          <a:stretch>
+            <a:fillRect/>
+          </a:stretch>
+        </p:blipFill>
+        <p:spPr>
+          <a:xfrm>
+            <a:off x="11159613" y="144664"/>
+            <a:ext cx="727541" cy="727541"/>
+          </a:xfrm>
+          <a:prstGeom prst="rect">
+            <a:avLst/>
+          </a:prstGeom>
+        </p:spPr>
+      </p:pic>
     </p:spTree>
     <p:extLst>
       <p:ext uri="{BB962C8B-B14F-4D97-AF65-F5344CB8AC3E}">
@@ -12742,6 +12803,36 @@
           </a:p>
         </p:txBody>
       </p:sp>
+      <p:pic>
+        <p:nvPicPr>
+          <p:cNvPr id="8" name="Picture 7"/>
+          <p:cNvPicPr>
+            <a:picLocks noChangeAspect="1"/>
+          </p:cNvPicPr>
+          <p:nvPr/>
+        </p:nvPicPr>
+        <p:blipFill>
+          <a:blip r:embed="rId3" cstate="print">
+            <a:extLst>
+              <a:ext uri="{28A0092B-C50C-407E-A947-70E740481C1C}">
+                <a14:useLocalDpi xmlns:a14="http://schemas.microsoft.com/office/drawing/2010/main" val="0"/>
+              </a:ext>
+            </a:extLst>
+          </a:blip>
+          <a:stretch>
+            <a:fillRect/>
+          </a:stretch>
+        </p:blipFill>
+        <p:spPr>
+          <a:xfrm>
+            <a:off x="11159613" y="144664"/>
+            <a:ext cx="727541" cy="727541"/>
+          </a:xfrm>
+          <a:prstGeom prst="rect">
+            <a:avLst/>
+          </a:prstGeom>
+        </p:spPr>
+      </p:pic>
     </p:spTree>
     <p:extLst>
       <p:ext uri="{BB962C8B-B14F-4D97-AF65-F5344CB8AC3E}">
@@ -13086,6 +13177,36 @@
           </a:p>
         </p:txBody>
       </p:sp>
+      <p:pic>
+        <p:nvPicPr>
+          <p:cNvPr id="8" name="Picture 7"/>
+          <p:cNvPicPr>
+            <a:picLocks noChangeAspect="1"/>
+          </p:cNvPicPr>
+          <p:nvPr/>
+        </p:nvPicPr>
+        <p:blipFill>
+          <a:blip r:embed="rId3" cstate="print">
+            <a:extLst>
+              <a:ext uri="{28A0092B-C50C-407E-A947-70E740481C1C}">
+                <a14:useLocalDpi xmlns:a14="http://schemas.microsoft.com/office/drawing/2010/main" val="0"/>
+              </a:ext>
+            </a:extLst>
+          </a:blip>
+          <a:stretch>
+            <a:fillRect/>
+          </a:stretch>
+        </p:blipFill>
+        <p:spPr>
+          <a:xfrm>
+            <a:off x="11159613" y="144664"/>
+            <a:ext cx="727541" cy="727541"/>
+          </a:xfrm>
+          <a:prstGeom prst="rect">
+            <a:avLst/>
+          </a:prstGeom>
+        </p:spPr>
+      </p:pic>
     </p:spTree>
     <p:extLst>
       <p:ext uri="{BB962C8B-B14F-4D97-AF65-F5344CB8AC3E}">
@@ -13430,6 +13551,36 @@
           </a:p>
         </p:txBody>
       </p:sp>
+      <p:pic>
+        <p:nvPicPr>
+          <p:cNvPr id="8" name="Picture 7"/>
+          <p:cNvPicPr>
+            <a:picLocks noChangeAspect="1"/>
+          </p:cNvPicPr>
+          <p:nvPr/>
+        </p:nvPicPr>
+        <p:blipFill>
+          <a:blip r:embed="rId3" cstate="print">
+            <a:extLst>
+              <a:ext uri="{28A0092B-C50C-407E-A947-70E740481C1C}">
+                <a14:useLocalDpi xmlns:a14="http://schemas.microsoft.com/office/drawing/2010/main" val="0"/>
+              </a:ext>
+            </a:extLst>
+          </a:blip>
+          <a:stretch>
+            <a:fillRect/>
+          </a:stretch>
+        </p:blipFill>
+        <p:spPr>
+          <a:xfrm>
+            <a:off x="11159613" y="144664"/>
+            <a:ext cx="727541" cy="727541"/>
+          </a:xfrm>
+          <a:prstGeom prst="rect">
+            <a:avLst/>
+          </a:prstGeom>
+        </p:spPr>
+      </p:pic>
     </p:spTree>
     <p:extLst>
       <p:ext uri="{BB962C8B-B14F-4D97-AF65-F5344CB8AC3E}">

--- a/assets/reports/YYYYMMDD_template.pptx
+++ b/assets/reports/YYYYMMDD_template.pptx
@@ -211,7 +211,7 @@
           <a:p>
             <a:fld id="{B4F92756-C5E1-414C-8D5B-61B7E77715E2}" type="datetimeFigureOut">
               <a:rPr lang="en-US" smtClean="0"/>
-              <a:t>10/14/2020</a:t>
+              <a:t>10/22/2020</a:t>
             </a:fld>
             <a:endParaRPr lang="en-US"/>
           </a:p>
@@ -381,7 +381,7 @@
           <a:p>
             <a:fld id="{DBA1148A-302C-4EB9-A1FB-86FEBAF3649D}" type="datetimeFigureOut">
               <a:rPr lang="en-US" smtClean="0"/>
-              <a:t>10/14/2020</a:t>
+              <a:t>10/22/2020</a:t>
             </a:fld>
             <a:endParaRPr lang="en-US"/>
           </a:p>
@@ -924,7 +924,7 @@
           <a:p>
             <a:fld id="{D297983E-23AF-46F8-876A-BC580C1FAACC}" type="datetime1">
               <a:rPr lang="en-US" smtClean="0"/>
-              <a:t>10/14/2020</a:t>
+              <a:t>10/22/2020</a:t>
             </a:fld>
             <a:endParaRPr lang="en-US"/>
           </a:p>
@@ -1120,7 +1120,7 @@
           <a:p>
             <a:fld id="{52A45906-4D2D-4E18-B9FE-9E3145B39EAE}" type="datetime1">
               <a:rPr lang="en-US" smtClean="0"/>
-              <a:t>10/14/2020</a:t>
+              <a:t>10/22/2020</a:t>
             </a:fld>
             <a:endParaRPr lang="en-US"/>
           </a:p>
@@ -7434,7 +7434,7 @@
           <a:p>
             <a:fld id="{456A3C91-B8C5-425F-9BFC-06B81986C584}" type="datetime1">
               <a:rPr lang="en-US" smtClean="0"/>
-              <a:t>10/14/2020</a:t>
+              <a:t>10/22/2020</a:t>
             </a:fld>
             <a:endParaRPr lang="en-US"/>
           </a:p>
@@ -8722,7 +8722,7 @@
           <a:p>
             <a:fld id="{A9D1A30E-DE6B-4770-8757-4DEC6351863C}" type="datetime1">
               <a:rPr lang="en-US" smtClean="0"/>
-              <a:t>10/14/2020</a:t>
+              <a:t>10/22/2020</a:t>
             </a:fld>
             <a:endParaRPr lang="en-US" dirty="0"/>
           </a:p>
@@ -9105,7 +9105,7 @@
           <a:p>
             <a:fld id="{71060DF7-3B66-43F4-ABA6-8DE1125C1915}" type="datetime1">
               <a:rPr lang="en-US" smtClean="0"/>
-              <a:t>10/14/2020</a:t>
+              <a:t>10/22/2020</a:t>
             </a:fld>
             <a:endParaRPr lang="en-US"/>
           </a:p>
@@ -9239,7 +9239,7 @@
           <a:p>
             <a:fld id="{9F8FB16D-8B03-47E2-9BF4-98200CBA3CA6}" type="datetime1">
               <a:rPr lang="en-US" smtClean="0"/>
-              <a:t>10/14/2020</a:t>
+              <a:t>10/22/2020</a:t>
             </a:fld>
             <a:endParaRPr lang="en-US"/>
           </a:p>
@@ -9350,7 +9350,7 @@
           <a:p>
             <a:fld id="{A7875D1E-13AE-46BB-8C89-5C78B94C366E}" type="datetime1">
               <a:rPr lang="en-US" smtClean="0"/>
-              <a:t>10/14/2020</a:t>
+              <a:t>10/22/2020</a:t>
             </a:fld>
             <a:endParaRPr lang="en-US"/>
           </a:p>
@@ -9643,7 +9643,7 @@
           <a:p>
             <a:fld id="{296CB1A1-10B4-4A56-9A36-6D445BD9D6E5}" type="datetime1">
               <a:rPr lang="en-US" smtClean="0"/>
-              <a:t>10/14/2020</a:t>
+              <a:t>10/22/2020</a:t>
             </a:fld>
             <a:endParaRPr lang="en-US"/>
           </a:p>
@@ -9916,7 +9916,7 @@
           <a:p>
             <a:fld id="{ED2AB522-E6A2-4B46-A750-7AF9600B9FCE}" type="datetime1">
               <a:rPr lang="en-US" smtClean="0"/>
-              <a:t>10/14/2020</a:t>
+              <a:t>10/22/2020</a:t>
             </a:fld>
             <a:endParaRPr lang="en-US"/>
           </a:p>
@@ -11175,7 +11175,7 @@
                   <a:srgbClr val="0070C0"/>
                 </a:solidFill>
               </a:rPr>
-              <a:t>cGANs</a:t>
+              <a:t>cGAN</a:t>
             </a:r>
             <a:r>
               <a:rPr lang="en-US" sz="2000" b="1" i="1" dirty="0" smtClean="0">
@@ -11183,7 +11183,15 @@
                   <a:srgbClr val="0070C0"/>
                 </a:solidFill>
               </a:rPr>
-              <a:t> for 3D Building Vectorization</a:t>
+              <a:t> </a:t>
+            </a:r>
+            <a:r>
+              <a:rPr lang="en-US" sz="2000" b="1" i="1" dirty="0" smtClean="0">
+                <a:solidFill>
+                  <a:srgbClr val="0070C0"/>
+                </a:solidFill>
+              </a:rPr>
+              <a:t>for 3D Building Vectorization</a:t>
             </a:r>
             <a:endParaRPr lang="en-US" sz="2000" b="1" i="1" dirty="0">
               <a:solidFill>

--- a/assets/reports/YYYYMMDD_template.pptx
+++ b/assets/reports/YYYYMMDD_template.pptx
@@ -211,7 +211,7 @@
           <a:p>
             <a:fld id="{B4F92756-C5E1-414C-8D5B-61B7E77715E2}" type="datetimeFigureOut">
               <a:rPr lang="en-US" smtClean="0"/>
-              <a:t>10/22/2020</a:t>
+              <a:t>11/12/2020</a:t>
             </a:fld>
             <a:endParaRPr lang="en-US"/>
           </a:p>
@@ -381,7 +381,7 @@
           <a:p>
             <a:fld id="{DBA1148A-302C-4EB9-A1FB-86FEBAF3649D}" type="datetimeFigureOut">
               <a:rPr lang="en-US" smtClean="0"/>
-              <a:t>10/22/2020</a:t>
+              <a:t>11/12/2020</a:t>
             </a:fld>
             <a:endParaRPr lang="en-US"/>
           </a:p>
@@ -924,7 +924,7 @@
           <a:p>
             <a:fld id="{D297983E-23AF-46F8-876A-BC580C1FAACC}" type="datetime1">
               <a:rPr lang="en-US" smtClean="0"/>
-              <a:t>10/22/2020</a:t>
+              <a:t>11/12/2020</a:t>
             </a:fld>
             <a:endParaRPr lang="en-US"/>
           </a:p>
@@ -1120,7 +1120,7 @@
           <a:p>
             <a:fld id="{52A45906-4D2D-4E18-B9FE-9E3145B39EAE}" type="datetime1">
               <a:rPr lang="en-US" smtClean="0"/>
-              <a:t>10/22/2020</a:t>
+              <a:t>11/12/2020</a:t>
             </a:fld>
             <a:endParaRPr lang="en-US"/>
           </a:p>
@@ -7434,7 +7434,7 @@
           <a:p>
             <a:fld id="{456A3C91-B8C5-425F-9BFC-06B81986C584}" type="datetime1">
               <a:rPr lang="en-US" smtClean="0"/>
-              <a:t>10/22/2020</a:t>
+              <a:t>11/12/2020</a:t>
             </a:fld>
             <a:endParaRPr lang="en-US"/>
           </a:p>
@@ -8722,7 +8722,7 @@
           <a:p>
             <a:fld id="{A9D1A30E-DE6B-4770-8757-4DEC6351863C}" type="datetime1">
               <a:rPr lang="en-US" smtClean="0"/>
-              <a:t>10/22/2020</a:t>
+              <a:t>11/12/2020</a:t>
             </a:fld>
             <a:endParaRPr lang="en-US" dirty="0"/>
           </a:p>
@@ -9105,7 +9105,7 @@
           <a:p>
             <a:fld id="{71060DF7-3B66-43F4-ABA6-8DE1125C1915}" type="datetime1">
               <a:rPr lang="en-US" smtClean="0"/>
-              <a:t>10/22/2020</a:t>
+              <a:t>11/12/2020</a:t>
             </a:fld>
             <a:endParaRPr lang="en-US"/>
           </a:p>
@@ -9239,7 +9239,7 @@
           <a:p>
             <a:fld id="{9F8FB16D-8B03-47E2-9BF4-98200CBA3CA6}" type="datetime1">
               <a:rPr lang="en-US" smtClean="0"/>
-              <a:t>10/22/2020</a:t>
+              <a:t>11/12/2020</a:t>
             </a:fld>
             <a:endParaRPr lang="en-US"/>
           </a:p>
@@ -9350,7 +9350,7 @@
           <a:p>
             <a:fld id="{A7875D1E-13AE-46BB-8C89-5C78B94C366E}" type="datetime1">
               <a:rPr lang="en-US" smtClean="0"/>
-              <a:t>10/22/2020</a:t>
+              <a:t>11/12/2020</a:t>
             </a:fld>
             <a:endParaRPr lang="en-US"/>
           </a:p>
@@ -9643,7 +9643,7 @@
           <a:p>
             <a:fld id="{296CB1A1-10B4-4A56-9A36-6D445BD9D6E5}" type="datetime1">
               <a:rPr lang="en-US" smtClean="0"/>
-              <a:t>10/22/2020</a:t>
+              <a:t>11/12/2020</a:t>
             </a:fld>
             <a:endParaRPr lang="en-US"/>
           </a:p>
@@ -9916,7 +9916,7 @@
           <a:p>
             <a:fld id="{ED2AB522-E6A2-4B46-A750-7AF9600B9FCE}" type="datetime1">
               <a:rPr lang="en-US" smtClean="0"/>
-              <a:t>10/22/2020</a:t>
+              <a:t>11/12/2020</a:t>
             </a:fld>
             <a:endParaRPr lang="en-US"/>
           </a:p>
@@ -11183,15 +11183,7 @@
                   <a:srgbClr val="0070C0"/>
                 </a:solidFill>
               </a:rPr>
-              <a:t> </a:t>
-            </a:r>
-            <a:r>
-              <a:rPr lang="en-US" sz="2000" b="1" i="1" dirty="0" smtClean="0">
-                <a:solidFill>
-                  <a:srgbClr val="0070C0"/>
-                </a:solidFill>
-              </a:rPr>
-              <a:t>for 3D Building Vectorization</a:t>
+              <a:t> for 3D Building Vectorization</a:t>
             </a:r>
             <a:endParaRPr lang="en-US" sz="2000" b="1" i="1" dirty="0">
               <a:solidFill>
@@ -11885,8 +11877,8 @@
         </p:nvSpPr>
         <p:spPr>
           <a:xfrm>
-            <a:off x="481780" y="1230820"/>
-            <a:ext cx="11110452" cy="4616648"/>
+            <a:off x="406682" y="1094197"/>
+            <a:ext cx="11110452" cy="4893647"/>
           </a:xfrm>
           <a:prstGeom prst="rect">
             <a:avLst/>
@@ -11912,9 +11904,9 @@
             </a:r>
           </a:p>
           <a:p>
-            <a:endParaRPr lang="en-US" dirty="0">
+            <a:endParaRPr lang="en-US" sz="2400" dirty="0">
               <a:solidFill>
-                <a:srgbClr val="00B050"/>
+                <a:srgbClr val="002060"/>
               </a:solidFill>
               <a:latin typeface="Tahoma" panose="020B0604030504040204" pitchFamily="34" charset="0"/>
               <a:ea typeface="Tahoma" panose="020B0604030504040204" pitchFamily="34" charset="0"/>
@@ -11922,9 +11914,9 @@
             </a:endParaRPr>
           </a:p>
           <a:p>
-            <a:endParaRPr lang="en-US" dirty="0" smtClean="0">
+            <a:endParaRPr lang="en-US" sz="2400" dirty="0" smtClean="0">
               <a:solidFill>
-                <a:srgbClr val="00B050"/>
+                <a:srgbClr val="002060"/>
               </a:solidFill>
               <a:latin typeface="Tahoma" panose="020B0604030504040204" pitchFamily="34" charset="0"/>
               <a:ea typeface="Tahoma" panose="020B0604030504040204" pitchFamily="34" charset="0"/>
@@ -11932,9 +11924,9 @@
             </a:endParaRPr>
           </a:p>
           <a:p>
-            <a:endParaRPr lang="en-US" dirty="0">
+            <a:endParaRPr lang="en-US" sz="2400" dirty="0">
               <a:solidFill>
-                <a:srgbClr val="00B050"/>
+                <a:srgbClr val="002060"/>
               </a:solidFill>
               <a:latin typeface="Tahoma" panose="020B0604030504040204" pitchFamily="34" charset="0"/>
               <a:ea typeface="Tahoma" panose="020B0604030504040204" pitchFamily="34" charset="0"/>
@@ -11942,9 +11934,9 @@
             </a:endParaRPr>
           </a:p>
           <a:p>
-            <a:endParaRPr lang="en-US" dirty="0" smtClean="0">
+            <a:endParaRPr lang="en-US" sz="2400" dirty="0" smtClean="0">
               <a:solidFill>
-                <a:srgbClr val="00B050"/>
+                <a:srgbClr val="002060"/>
               </a:solidFill>
               <a:latin typeface="Tahoma" panose="020B0604030504040204" pitchFamily="34" charset="0"/>
               <a:ea typeface="Tahoma" panose="020B0604030504040204" pitchFamily="34" charset="0"/>
@@ -11952,9 +11944,9 @@
             </a:endParaRPr>
           </a:p>
           <a:p>
-            <a:endParaRPr lang="en-US" dirty="0">
+            <a:endParaRPr lang="en-US" sz="2400" dirty="0">
               <a:solidFill>
-                <a:srgbClr val="00B050"/>
+                <a:srgbClr val="002060"/>
               </a:solidFill>
               <a:latin typeface="Tahoma" panose="020B0604030504040204" pitchFamily="34" charset="0"/>
               <a:ea typeface="Tahoma" panose="020B0604030504040204" pitchFamily="34" charset="0"/>
@@ -11962,9 +11954,9 @@
             </a:endParaRPr>
           </a:p>
           <a:p>
-            <a:endParaRPr lang="en-US" dirty="0" smtClean="0">
+            <a:endParaRPr lang="en-US" sz="2400" dirty="0" smtClean="0">
               <a:solidFill>
-                <a:srgbClr val="00B050"/>
+                <a:srgbClr val="002060"/>
               </a:solidFill>
               <a:latin typeface="Tahoma" panose="020B0604030504040204" pitchFamily="34" charset="0"/>
               <a:ea typeface="Tahoma" panose="020B0604030504040204" pitchFamily="34" charset="0"/>
@@ -11972,9 +11964,9 @@
             </a:endParaRPr>
           </a:p>
           <a:p>
-            <a:endParaRPr lang="en-US" dirty="0">
+            <a:endParaRPr lang="en-US" sz="2400" dirty="0">
               <a:solidFill>
-                <a:srgbClr val="00B050"/>
+                <a:srgbClr val="002060"/>
               </a:solidFill>
               <a:latin typeface="Tahoma" panose="020B0604030504040204" pitchFamily="34" charset="0"/>
               <a:ea typeface="Tahoma" panose="020B0604030504040204" pitchFamily="34" charset="0"/>
@@ -11982,9 +11974,9 @@
             </a:endParaRPr>
           </a:p>
           <a:p>
-            <a:endParaRPr lang="en-US" dirty="0" smtClean="0">
+            <a:endParaRPr lang="en-US" sz="2400" dirty="0" smtClean="0">
               <a:solidFill>
-                <a:srgbClr val="00B050"/>
+                <a:srgbClr val="002060"/>
               </a:solidFill>
               <a:latin typeface="Tahoma" panose="020B0604030504040204" pitchFamily="34" charset="0"/>
               <a:ea typeface="Tahoma" panose="020B0604030504040204" pitchFamily="34" charset="0"/>
@@ -11992,9 +11984,9 @@
             </a:endParaRPr>
           </a:p>
           <a:p>
-            <a:endParaRPr lang="en-US" dirty="0">
+            <a:endParaRPr lang="en-US" sz="2400" dirty="0">
               <a:solidFill>
-                <a:srgbClr val="00B050"/>
+                <a:srgbClr val="002060"/>
               </a:solidFill>
               <a:latin typeface="Tahoma" panose="020B0604030504040204" pitchFamily="34" charset="0"/>
               <a:ea typeface="Tahoma" panose="020B0604030504040204" pitchFamily="34" charset="0"/>
@@ -12002,9 +11994,9 @@
             </a:endParaRPr>
           </a:p>
           <a:p>
-            <a:endParaRPr lang="en-US" dirty="0" smtClean="0">
+            <a:endParaRPr lang="en-US" sz="2400" dirty="0" smtClean="0">
               <a:solidFill>
-                <a:srgbClr val="00B050"/>
+                <a:srgbClr val="002060"/>
               </a:solidFill>
               <a:latin typeface="Tahoma" panose="020B0604030504040204" pitchFamily="34" charset="0"/>
               <a:ea typeface="Tahoma" panose="020B0604030504040204" pitchFamily="34" charset="0"/>
@@ -12012,9 +12004,9 @@
             </a:endParaRPr>
           </a:p>
           <a:p>
-            <a:endParaRPr lang="en-US" dirty="0">
+            <a:endParaRPr lang="en-US" sz="2400" dirty="0">
               <a:solidFill>
-                <a:srgbClr val="00B050"/>
+                <a:srgbClr val="002060"/>
               </a:solidFill>
               <a:latin typeface="Tahoma" panose="020B0604030504040204" pitchFamily="34" charset="0"/>
               <a:ea typeface="Tahoma" panose="020B0604030504040204" pitchFamily="34" charset="0"/>
@@ -12022,39 +12014,9 @@
             </a:endParaRPr>
           </a:p>
           <a:p>
-            <a:endParaRPr lang="en-US" dirty="0" smtClean="0">
+            <a:endParaRPr lang="en-US" sz="2400" dirty="0" smtClean="0">
               <a:solidFill>
-                <a:srgbClr val="00B050"/>
-              </a:solidFill>
-              <a:latin typeface="Tahoma" panose="020B0604030504040204" pitchFamily="34" charset="0"/>
-              <a:ea typeface="Tahoma" panose="020B0604030504040204" pitchFamily="34" charset="0"/>
-              <a:cs typeface="Tahoma" panose="020B0604030504040204" pitchFamily="34" charset="0"/>
-            </a:endParaRPr>
-          </a:p>
-          <a:p>
-            <a:endParaRPr lang="en-US" dirty="0">
-              <a:solidFill>
-                <a:srgbClr val="00B050"/>
-              </a:solidFill>
-              <a:latin typeface="Tahoma" panose="020B0604030504040204" pitchFamily="34" charset="0"/>
-              <a:ea typeface="Tahoma" panose="020B0604030504040204" pitchFamily="34" charset="0"/>
-              <a:cs typeface="Tahoma" panose="020B0604030504040204" pitchFamily="34" charset="0"/>
-            </a:endParaRPr>
-          </a:p>
-          <a:p>
-            <a:endParaRPr lang="en-US" dirty="0" smtClean="0">
-              <a:solidFill>
-                <a:srgbClr val="00B050"/>
-              </a:solidFill>
-              <a:latin typeface="Tahoma" panose="020B0604030504040204" pitchFamily="34" charset="0"/>
-              <a:ea typeface="Tahoma" panose="020B0604030504040204" pitchFamily="34" charset="0"/>
-              <a:cs typeface="Tahoma" panose="020B0604030504040204" pitchFamily="34" charset="0"/>
-            </a:endParaRPr>
-          </a:p>
-          <a:p>
-            <a:endParaRPr lang="en-US" dirty="0" smtClean="0">
-              <a:solidFill>
-                <a:srgbClr val="00B050"/>
+                <a:srgbClr val="002060"/>
               </a:solidFill>
               <a:latin typeface="Tahoma" panose="020B0604030504040204" pitchFamily="34" charset="0"/>
               <a:ea typeface="Tahoma" panose="020B0604030504040204" pitchFamily="34" charset="0"/>
@@ -12251,192 +12213,6 @@
           </a:p>
         </p:txBody>
       </p:sp>
-      <p:sp>
-        <p:nvSpPr>
-          <p:cNvPr id="9" name="TextBox 8"/>
-          <p:cNvSpPr txBox="1"/>
-          <p:nvPr/>
-        </p:nvSpPr>
-        <p:spPr>
-          <a:xfrm>
-            <a:off x="481780" y="1230820"/>
-            <a:ext cx="11110452" cy="4616648"/>
-          </a:xfrm>
-          <a:prstGeom prst="rect">
-            <a:avLst/>
-          </a:prstGeom>
-          <a:noFill/>
-        </p:spPr>
-        <p:txBody>
-          <a:bodyPr wrap="square" rtlCol="0">
-            <a:spAutoFit/>
-          </a:bodyPr>
-          <a:lstStyle/>
-          <a:p>
-            <a:r>
-              <a:rPr lang="en-US" sz="2400" dirty="0" smtClean="0">
-                <a:solidFill>
-                  <a:srgbClr val="002060"/>
-                </a:solidFill>
-                <a:latin typeface="Tahoma" panose="020B0604030504040204" pitchFamily="34" charset="0"/>
-                <a:ea typeface="Tahoma" panose="020B0604030504040204" pitchFamily="34" charset="0"/>
-                <a:cs typeface="Tahoma" panose="020B0604030504040204" pitchFamily="34" charset="0"/>
-              </a:rPr>
-              <a:t>Contents here</a:t>
-            </a:r>
-          </a:p>
-          <a:p>
-            <a:endParaRPr lang="en-US" dirty="0">
-              <a:solidFill>
-                <a:srgbClr val="00B050"/>
-              </a:solidFill>
-              <a:latin typeface="Tahoma" panose="020B0604030504040204" pitchFamily="34" charset="0"/>
-              <a:ea typeface="Tahoma" panose="020B0604030504040204" pitchFamily="34" charset="0"/>
-              <a:cs typeface="Tahoma" panose="020B0604030504040204" pitchFamily="34" charset="0"/>
-            </a:endParaRPr>
-          </a:p>
-          <a:p>
-            <a:endParaRPr lang="en-US" dirty="0" smtClean="0">
-              <a:solidFill>
-                <a:srgbClr val="00B050"/>
-              </a:solidFill>
-              <a:latin typeface="Tahoma" panose="020B0604030504040204" pitchFamily="34" charset="0"/>
-              <a:ea typeface="Tahoma" panose="020B0604030504040204" pitchFamily="34" charset="0"/>
-              <a:cs typeface="Tahoma" panose="020B0604030504040204" pitchFamily="34" charset="0"/>
-            </a:endParaRPr>
-          </a:p>
-          <a:p>
-            <a:endParaRPr lang="en-US" dirty="0">
-              <a:solidFill>
-                <a:srgbClr val="00B050"/>
-              </a:solidFill>
-              <a:latin typeface="Tahoma" panose="020B0604030504040204" pitchFamily="34" charset="0"/>
-              <a:ea typeface="Tahoma" panose="020B0604030504040204" pitchFamily="34" charset="0"/>
-              <a:cs typeface="Tahoma" panose="020B0604030504040204" pitchFamily="34" charset="0"/>
-            </a:endParaRPr>
-          </a:p>
-          <a:p>
-            <a:endParaRPr lang="en-US" dirty="0" smtClean="0">
-              <a:solidFill>
-                <a:srgbClr val="00B050"/>
-              </a:solidFill>
-              <a:latin typeface="Tahoma" panose="020B0604030504040204" pitchFamily="34" charset="0"/>
-              <a:ea typeface="Tahoma" panose="020B0604030504040204" pitchFamily="34" charset="0"/>
-              <a:cs typeface="Tahoma" panose="020B0604030504040204" pitchFamily="34" charset="0"/>
-            </a:endParaRPr>
-          </a:p>
-          <a:p>
-            <a:endParaRPr lang="en-US" dirty="0">
-              <a:solidFill>
-                <a:srgbClr val="00B050"/>
-              </a:solidFill>
-              <a:latin typeface="Tahoma" panose="020B0604030504040204" pitchFamily="34" charset="0"/>
-              <a:ea typeface="Tahoma" panose="020B0604030504040204" pitchFamily="34" charset="0"/>
-              <a:cs typeface="Tahoma" panose="020B0604030504040204" pitchFamily="34" charset="0"/>
-            </a:endParaRPr>
-          </a:p>
-          <a:p>
-            <a:endParaRPr lang="en-US" dirty="0" smtClean="0">
-              <a:solidFill>
-                <a:srgbClr val="00B050"/>
-              </a:solidFill>
-              <a:latin typeface="Tahoma" panose="020B0604030504040204" pitchFamily="34" charset="0"/>
-              <a:ea typeface="Tahoma" panose="020B0604030504040204" pitchFamily="34" charset="0"/>
-              <a:cs typeface="Tahoma" panose="020B0604030504040204" pitchFamily="34" charset="0"/>
-            </a:endParaRPr>
-          </a:p>
-          <a:p>
-            <a:endParaRPr lang="en-US" dirty="0">
-              <a:solidFill>
-                <a:srgbClr val="00B050"/>
-              </a:solidFill>
-              <a:latin typeface="Tahoma" panose="020B0604030504040204" pitchFamily="34" charset="0"/>
-              <a:ea typeface="Tahoma" panose="020B0604030504040204" pitchFamily="34" charset="0"/>
-              <a:cs typeface="Tahoma" panose="020B0604030504040204" pitchFamily="34" charset="0"/>
-            </a:endParaRPr>
-          </a:p>
-          <a:p>
-            <a:endParaRPr lang="en-US" dirty="0" smtClean="0">
-              <a:solidFill>
-                <a:srgbClr val="00B050"/>
-              </a:solidFill>
-              <a:latin typeface="Tahoma" panose="020B0604030504040204" pitchFamily="34" charset="0"/>
-              <a:ea typeface="Tahoma" panose="020B0604030504040204" pitchFamily="34" charset="0"/>
-              <a:cs typeface="Tahoma" panose="020B0604030504040204" pitchFamily="34" charset="0"/>
-            </a:endParaRPr>
-          </a:p>
-          <a:p>
-            <a:endParaRPr lang="en-US" dirty="0">
-              <a:solidFill>
-                <a:srgbClr val="00B050"/>
-              </a:solidFill>
-              <a:latin typeface="Tahoma" panose="020B0604030504040204" pitchFamily="34" charset="0"/>
-              <a:ea typeface="Tahoma" panose="020B0604030504040204" pitchFamily="34" charset="0"/>
-              <a:cs typeface="Tahoma" panose="020B0604030504040204" pitchFamily="34" charset="0"/>
-            </a:endParaRPr>
-          </a:p>
-          <a:p>
-            <a:endParaRPr lang="en-US" dirty="0" smtClean="0">
-              <a:solidFill>
-                <a:srgbClr val="00B050"/>
-              </a:solidFill>
-              <a:latin typeface="Tahoma" panose="020B0604030504040204" pitchFamily="34" charset="0"/>
-              <a:ea typeface="Tahoma" panose="020B0604030504040204" pitchFamily="34" charset="0"/>
-              <a:cs typeface="Tahoma" panose="020B0604030504040204" pitchFamily="34" charset="0"/>
-            </a:endParaRPr>
-          </a:p>
-          <a:p>
-            <a:endParaRPr lang="en-US" dirty="0">
-              <a:solidFill>
-                <a:srgbClr val="00B050"/>
-              </a:solidFill>
-              <a:latin typeface="Tahoma" panose="020B0604030504040204" pitchFamily="34" charset="0"/>
-              <a:ea typeface="Tahoma" panose="020B0604030504040204" pitchFamily="34" charset="0"/>
-              <a:cs typeface="Tahoma" panose="020B0604030504040204" pitchFamily="34" charset="0"/>
-            </a:endParaRPr>
-          </a:p>
-          <a:p>
-            <a:endParaRPr lang="en-US" dirty="0" smtClean="0">
-              <a:solidFill>
-                <a:srgbClr val="00B050"/>
-              </a:solidFill>
-              <a:latin typeface="Tahoma" panose="020B0604030504040204" pitchFamily="34" charset="0"/>
-              <a:ea typeface="Tahoma" panose="020B0604030504040204" pitchFamily="34" charset="0"/>
-              <a:cs typeface="Tahoma" panose="020B0604030504040204" pitchFamily="34" charset="0"/>
-            </a:endParaRPr>
-          </a:p>
-          <a:p>
-            <a:endParaRPr lang="en-US" dirty="0">
-              <a:solidFill>
-                <a:srgbClr val="00B050"/>
-              </a:solidFill>
-              <a:latin typeface="Tahoma" panose="020B0604030504040204" pitchFamily="34" charset="0"/>
-              <a:ea typeface="Tahoma" panose="020B0604030504040204" pitchFamily="34" charset="0"/>
-              <a:cs typeface="Tahoma" panose="020B0604030504040204" pitchFamily="34" charset="0"/>
-            </a:endParaRPr>
-          </a:p>
-          <a:p>
-            <a:endParaRPr lang="en-US" dirty="0" smtClean="0">
-              <a:solidFill>
-                <a:srgbClr val="00B050"/>
-              </a:solidFill>
-              <a:latin typeface="Tahoma" panose="020B0604030504040204" pitchFamily="34" charset="0"/>
-              <a:ea typeface="Tahoma" panose="020B0604030504040204" pitchFamily="34" charset="0"/>
-              <a:cs typeface="Tahoma" panose="020B0604030504040204" pitchFamily="34" charset="0"/>
-            </a:endParaRPr>
-          </a:p>
-          <a:p>
-            <a:endParaRPr lang="en-US" dirty="0" smtClean="0">
-              <a:solidFill>
-                <a:srgbClr val="00B050"/>
-              </a:solidFill>
-              <a:latin typeface="Tahoma" panose="020B0604030504040204" pitchFamily="34" charset="0"/>
-              <a:ea typeface="Tahoma" panose="020B0604030504040204" pitchFamily="34" charset="0"/>
-              <a:cs typeface="Tahoma" panose="020B0604030504040204" pitchFamily="34" charset="0"/>
-            </a:endParaRPr>
-          </a:p>
-        </p:txBody>
-      </p:sp>
       <p:pic>
         <p:nvPicPr>
           <p:cNvPr id="8" name="Picture 7"/>
@@ -12467,6 +12243,162 @@
           </a:prstGeom>
         </p:spPr>
       </p:pic>
+      <p:sp>
+        <p:nvSpPr>
+          <p:cNvPr id="10" name="TextBox 9"/>
+          <p:cNvSpPr txBox="1"/>
+          <p:nvPr/>
+        </p:nvSpPr>
+        <p:spPr>
+          <a:xfrm>
+            <a:off x="406682" y="1094197"/>
+            <a:ext cx="11110452" cy="4893647"/>
+          </a:xfrm>
+          <a:prstGeom prst="rect">
+            <a:avLst/>
+          </a:prstGeom>
+          <a:noFill/>
+        </p:spPr>
+        <p:txBody>
+          <a:bodyPr wrap="square" rtlCol="0">
+            <a:spAutoFit/>
+          </a:bodyPr>
+          <a:lstStyle/>
+          <a:p>
+            <a:r>
+              <a:rPr lang="en-US" sz="2400" dirty="0" smtClean="0">
+                <a:solidFill>
+                  <a:srgbClr val="002060"/>
+                </a:solidFill>
+                <a:latin typeface="Tahoma" panose="020B0604030504040204" pitchFamily="34" charset="0"/>
+                <a:ea typeface="Tahoma" panose="020B0604030504040204" pitchFamily="34" charset="0"/>
+                <a:cs typeface="Tahoma" panose="020B0604030504040204" pitchFamily="34" charset="0"/>
+              </a:rPr>
+              <a:t>Contents here</a:t>
+            </a:r>
+          </a:p>
+          <a:p>
+            <a:endParaRPr lang="en-US" sz="2400" dirty="0">
+              <a:solidFill>
+                <a:srgbClr val="002060"/>
+              </a:solidFill>
+              <a:latin typeface="Tahoma" panose="020B0604030504040204" pitchFamily="34" charset="0"/>
+              <a:ea typeface="Tahoma" panose="020B0604030504040204" pitchFamily="34" charset="0"/>
+              <a:cs typeface="Tahoma" panose="020B0604030504040204" pitchFamily="34" charset="0"/>
+            </a:endParaRPr>
+          </a:p>
+          <a:p>
+            <a:endParaRPr lang="en-US" sz="2400" dirty="0" smtClean="0">
+              <a:solidFill>
+                <a:srgbClr val="002060"/>
+              </a:solidFill>
+              <a:latin typeface="Tahoma" panose="020B0604030504040204" pitchFamily="34" charset="0"/>
+              <a:ea typeface="Tahoma" panose="020B0604030504040204" pitchFamily="34" charset="0"/>
+              <a:cs typeface="Tahoma" panose="020B0604030504040204" pitchFamily="34" charset="0"/>
+            </a:endParaRPr>
+          </a:p>
+          <a:p>
+            <a:endParaRPr lang="en-US" sz="2400" dirty="0">
+              <a:solidFill>
+                <a:srgbClr val="002060"/>
+              </a:solidFill>
+              <a:latin typeface="Tahoma" panose="020B0604030504040204" pitchFamily="34" charset="0"/>
+              <a:ea typeface="Tahoma" panose="020B0604030504040204" pitchFamily="34" charset="0"/>
+              <a:cs typeface="Tahoma" panose="020B0604030504040204" pitchFamily="34" charset="0"/>
+            </a:endParaRPr>
+          </a:p>
+          <a:p>
+            <a:endParaRPr lang="en-US" sz="2400" dirty="0" smtClean="0">
+              <a:solidFill>
+                <a:srgbClr val="002060"/>
+              </a:solidFill>
+              <a:latin typeface="Tahoma" panose="020B0604030504040204" pitchFamily="34" charset="0"/>
+              <a:ea typeface="Tahoma" panose="020B0604030504040204" pitchFamily="34" charset="0"/>
+              <a:cs typeface="Tahoma" panose="020B0604030504040204" pitchFamily="34" charset="0"/>
+            </a:endParaRPr>
+          </a:p>
+          <a:p>
+            <a:endParaRPr lang="en-US" sz="2400" dirty="0">
+              <a:solidFill>
+                <a:srgbClr val="002060"/>
+              </a:solidFill>
+              <a:latin typeface="Tahoma" panose="020B0604030504040204" pitchFamily="34" charset="0"/>
+              <a:ea typeface="Tahoma" panose="020B0604030504040204" pitchFamily="34" charset="0"/>
+              <a:cs typeface="Tahoma" panose="020B0604030504040204" pitchFamily="34" charset="0"/>
+            </a:endParaRPr>
+          </a:p>
+          <a:p>
+            <a:endParaRPr lang="en-US" sz="2400" dirty="0" smtClean="0">
+              <a:solidFill>
+                <a:srgbClr val="002060"/>
+              </a:solidFill>
+              <a:latin typeface="Tahoma" panose="020B0604030504040204" pitchFamily="34" charset="0"/>
+              <a:ea typeface="Tahoma" panose="020B0604030504040204" pitchFamily="34" charset="0"/>
+              <a:cs typeface="Tahoma" panose="020B0604030504040204" pitchFamily="34" charset="0"/>
+            </a:endParaRPr>
+          </a:p>
+          <a:p>
+            <a:endParaRPr lang="en-US" sz="2400" dirty="0">
+              <a:solidFill>
+                <a:srgbClr val="002060"/>
+              </a:solidFill>
+              <a:latin typeface="Tahoma" panose="020B0604030504040204" pitchFamily="34" charset="0"/>
+              <a:ea typeface="Tahoma" panose="020B0604030504040204" pitchFamily="34" charset="0"/>
+              <a:cs typeface="Tahoma" panose="020B0604030504040204" pitchFamily="34" charset="0"/>
+            </a:endParaRPr>
+          </a:p>
+          <a:p>
+            <a:endParaRPr lang="en-US" sz="2400" dirty="0" smtClean="0">
+              <a:solidFill>
+                <a:srgbClr val="002060"/>
+              </a:solidFill>
+              <a:latin typeface="Tahoma" panose="020B0604030504040204" pitchFamily="34" charset="0"/>
+              <a:ea typeface="Tahoma" panose="020B0604030504040204" pitchFamily="34" charset="0"/>
+              <a:cs typeface="Tahoma" panose="020B0604030504040204" pitchFamily="34" charset="0"/>
+            </a:endParaRPr>
+          </a:p>
+          <a:p>
+            <a:endParaRPr lang="en-US" sz="2400" dirty="0">
+              <a:solidFill>
+                <a:srgbClr val="002060"/>
+              </a:solidFill>
+              <a:latin typeface="Tahoma" panose="020B0604030504040204" pitchFamily="34" charset="0"/>
+              <a:ea typeface="Tahoma" panose="020B0604030504040204" pitchFamily="34" charset="0"/>
+              <a:cs typeface="Tahoma" panose="020B0604030504040204" pitchFamily="34" charset="0"/>
+            </a:endParaRPr>
+          </a:p>
+          <a:p>
+            <a:endParaRPr lang="en-US" sz="2400" dirty="0" smtClean="0">
+              <a:solidFill>
+                <a:srgbClr val="002060"/>
+              </a:solidFill>
+              <a:latin typeface="Tahoma" panose="020B0604030504040204" pitchFamily="34" charset="0"/>
+              <a:ea typeface="Tahoma" panose="020B0604030504040204" pitchFamily="34" charset="0"/>
+              <a:cs typeface="Tahoma" panose="020B0604030504040204" pitchFamily="34" charset="0"/>
+            </a:endParaRPr>
+          </a:p>
+          <a:p>
+            <a:endParaRPr lang="en-US" sz="2400" dirty="0">
+              <a:solidFill>
+                <a:srgbClr val="002060"/>
+              </a:solidFill>
+              <a:latin typeface="Tahoma" panose="020B0604030504040204" pitchFamily="34" charset="0"/>
+              <a:ea typeface="Tahoma" panose="020B0604030504040204" pitchFamily="34" charset="0"/>
+              <a:cs typeface="Tahoma" panose="020B0604030504040204" pitchFamily="34" charset="0"/>
+            </a:endParaRPr>
+          </a:p>
+          <a:p>
+            <a:endParaRPr lang="en-US" sz="2400" dirty="0" smtClean="0">
+              <a:solidFill>
+                <a:srgbClr val="002060"/>
+              </a:solidFill>
+              <a:latin typeface="Tahoma" panose="020B0604030504040204" pitchFamily="34" charset="0"/>
+              <a:ea typeface="Tahoma" panose="020B0604030504040204" pitchFamily="34" charset="0"/>
+              <a:cs typeface="Tahoma" panose="020B0604030504040204" pitchFamily="34" charset="0"/>
+            </a:endParaRPr>
+          </a:p>
+        </p:txBody>
+      </p:sp>
     </p:spTree>
     <p:extLst>
       <p:ext uri="{BB962C8B-B14F-4D97-AF65-F5344CB8AC3E}">
@@ -12625,192 +12557,6 @@
           </a:p>
         </p:txBody>
       </p:sp>
-      <p:sp>
-        <p:nvSpPr>
-          <p:cNvPr id="9" name="TextBox 8"/>
-          <p:cNvSpPr txBox="1"/>
-          <p:nvPr/>
-        </p:nvSpPr>
-        <p:spPr>
-          <a:xfrm>
-            <a:off x="481780" y="1230820"/>
-            <a:ext cx="11110452" cy="4616648"/>
-          </a:xfrm>
-          <a:prstGeom prst="rect">
-            <a:avLst/>
-          </a:prstGeom>
-          <a:noFill/>
-        </p:spPr>
-        <p:txBody>
-          <a:bodyPr wrap="square" rtlCol="0">
-            <a:spAutoFit/>
-          </a:bodyPr>
-          <a:lstStyle/>
-          <a:p>
-            <a:r>
-              <a:rPr lang="en-US" sz="2400" dirty="0" smtClean="0">
-                <a:solidFill>
-                  <a:srgbClr val="002060"/>
-                </a:solidFill>
-                <a:latin typeface="Tahoma" panose="020B0604030504040204" pitchFamily="34" charset="0"/>
-                <a:ea typeface="Tahoma" panose="020B0604030504040204" pitchFamily="34" charset="0"/>
-                <a:cs typeface="Tahoma" panose="020B0604030504040204" pitchFamily="34" charset="0"/>
-              </a:rPr>
-              <a:t>Contents here</a:t>
-            </a:r>
-          </a:p>
-          <a:p>
-            <a:endParaRPr lang="en-US" dirty="0">
-              <a:solidFill>
-                <a:srgbClr val="00B050"/>
-              </a:solidFill>
-              <a:latin typeface="Tahoma" panose="020B0604030504040204" pitchFamily="34" charset="0"/>
-              <a:ea typeface="Tahoma" panose="020B0604030504040204" pitchFamily="34" charset="0"/>
-              <a:cs typeface="Tahoma" panose="020B0604030504040204" pitchFamily="34" charset="0"/>
-            </a:endParaRPr>
-          </a:p>
-          <a:p>
-            <a:endParaRPr lang="en-US" dirty="0" smtClean="0">
-              <a:solidFill>
-                <a:srgbClr val="00B050"/>
-              </a:solidFill>
-              <a:latin typeface="Tahoma" panose="020B0604030504040204" pitchFamily="34" charset="0"/>
-              <a:ea typeface="Tahoma" panose="020B0604030504040204" pitchFamily="34" charset="0"/>
-              <a:cs typeface="Tahoma" panose="020B0604030504040204" pitchFamily="34" charset="0"/>
-            </a:endParaRPr>
-          </a:p>
-          <a:p>
-            <a:endParaRPr lang="en-US" dirty="0">
-              <a:solidFill>
-                <a:srgbClr val="00B050"/>
-              </a:solidFill>
-              <a:latin typeface="Tahoma" panose="020B0604030504040204" pitchFamily="34" charset="0"/>
-              <a:ea typeface="Tahoma" panose="020B0604030504040204" pitchFamily="34" charset="0"/>
-              <a:cs typeface="Tahoma" panose="020B0604030504040204" pitchFamily="34" charset="0"/>
-            </a:endParaRPr>
-          </a:p>
-          <a:p>
-            <a:endParaRPr lang="en-US" dirty="0" smtClean="0">
-              <a:solidFill>
-                <a:srgbClr val="00B050"/>
-              </a:solidFill>
-              <a:latin typeface="Tahoma" panose="020B0604030504040204" pitchFamily="34" charset="0"/>
-              <a:ea typeface="Tahoma" panose="020B0604030504040204" pitchFamily="34" charset="0"/>
-              <a:cs typeface="Tahoma" panose="020B0604030504040204" pitchFamily="34" charset="0"/>
-            </a:endParaRPr>
-          </a:p>
-          <a:p>
-            <a:endParaRPr lang="en-US" dirty="0">
-              <a:solidFill>
-                <a:srgbClr val="00B050"/>
-              </a:solidFill>
-              <a:latin typeface="Tahoma" panose="020B0604030504040204" pitchFamily="34" charset="0"/>
-              <a:ea typeface="Tahoma" panose="020B0604030504040204" pitchFamily="34" charset="0"/>
-              <a:cs typeface="Tahoma" panose="020B0604030504040204" pitchFamily="34" charset="0"/>
-            </a:endParaRPr>
-          </a:p>
-          <a:p>
-            <a:endParaRPr lang="en-US" dirty="0" smtClean="0">
-              <a:solidFill>
-                <a:srgbClr val="00B050"/>
-              </a:solidFill>
-              <a:latin typeface="Tahoma" panose="020B0604030504040204" pitchFamily="34" charset="0"/>
-              <a:ea typeface="Tahoma" panose="020B0604030504040204" pitchFamily="34" charset="0"/>
-              <a:cs typeface="Tahoma" panose="020B0604030504040204" pitchFamily="34" charset="0"/>
-            </a:endParaRPr>
-          </a:p>
-          <a:p>
-            <a:endParaRPr lang="en-US" dirty="0">
-              <a:solidFill>
-                <a:srgbClr val="00B050"/>
-              </a:solidFill>
-              <a:latin typeface="Tahoma" panose="020B0604030504040204" pitchFamily="34" charset="0"/>
-              <a:ea typeface="Tahoma" panose="020B0604030504040204" pitchFamily="34" charset="0"/>
-              <a:cs typeface="Tahoma" panose="020B0604030504040204" pitchFamily="34" charset="0"/>
-            </a:endParaRPr>
-          </a:p>
-          <a:p>
-            <a:endParaRPr lang="en-US" dirty="0" smtClean="0">
-              <a:solidFill>
-                <a:srgbClr val="00B050"/>
-              </a:solidFill>
-              <a:latin typeface="Tahoma" panose="020B0604030504040204" pitchFamily="34" charset="0"/>
-              <a:ea typeface="Tahoma" panose="020B0604030504040204" pitchFamily="34" charset="0"/>
-              <a:cs typeface="Tahoma" panose="020B0604030504040204" pitchFamily="34" charset="0"/>
-            </a:endParaRPr>
-          </a:p>
-          <a:p>
-            <a:endParaRPr lang="en-US" dirty="0">
-              <a:solidFill>
-                <a:srgbClr val="00B050"/>
-              </a:solidFill>
-              <a:latin typeface="Tahoma" panose="020B0604030504040204" pitchFamily="34" charset="0"/>
-              <a:ea typeface="Tahoma" panose="020B0604030504040204" pitchFamily="34" charset="0"/>
-              <a:cs typeface="Tahoma" panose="020B0604030504040204" pitchFamily="34" charset="0"/>
-            </a:endParaRPr>
-          </a:p>
-          <a:p>
-            <a:endParaRPr lang="en-US" dirty="0" smtClean="0">
-              <a:solidFill>
-                <a:srgbClr val="00B050"/>
-              </a:solidFill>
-              <a:latin typeface="Tahoma" panose="020B0604030504040204" pitchFamily="34" charset="0"/>
-              <a:ea typeface="Tahoma" panose="020B0604030504040204" pitchFamily="34" charset="0"/>
-              <a:cs typeface="Tahoma" panose="020B0604030504040204" pitchFamily="34" charset="0"/>
-            </a:endParaRPr>
-          </a:p>
-          <a:p>
-            <a:endParaRPr lang="en-US" dirty="0">
-              <a:solidFill>
-                <a:srgbClr val="00B050"/>
-              </a:solidFill>
-              <a:latin typeface="Tahoma" panose="020B0604030504040204" pitchFamily="34" charset="0"/>
-              <a:ea typeface="Tahoma" panose="020B0604030504040204" pitchFamily="34" charset="0"/>
-              <a:cs typeface="Tahoma" panose="020B0604030504040204" pitchFamily="34" charset="0"/>
-            </a:endParaRPr>
-          </a:p>
-          <a:p>
-            <a:endParaRPr lang="en-US" dirty="0" smtClean="0">
-              <a:solidFill>
-                <a:srgbClr val="00B050"/>
-              </a:solidFill>
-              <a:latin typeface="Tahoma" panose="020B0604030504040204" pitchFamily="34" charset="0"/>
-              <a:ea typeface="Tahoma" panose="020B0604030504040204" pitchFamily="34" charset="0"/>
-              <a:cs typeface="Tahoma" panose="020B0604030504040204" pitchFamily="34" charset="0"/>
-            </a:endParaRPr>
-          </a:p>
-          <a:p>
-            <a:endParaRPr lang="en-US" dirty="0">
-              <a:solidFill>
-                <a:srgbClr val="00B050"/>
-              </a:solidFill>
-              <a:latin typeface="Tahoma" panose="020B0604030504040204" pitchFamily="34" charset="0"/>
-              <a:ea typeface="Tahoma" panose="020B0604030504040204" pitchFamily="34" charset="0"/>
-              <a:cs typeface="Tahoma" panose="020B0604030504040204" pitchFamily="34" charset="0"/>
-            </a:endParaRPr>
-          </a:p>
-          <a:p>
-            <a:endParaRPr lang="en-US" dirty="0" smtClean="0">
-              <a:solidFill>
-                <a:srgbClr val="00B050"/>
-              </a:solidFill>
-              <a:latin typeface="Tahoma" panose="020B0604030504040204" pitchFamily="34" charset="0"/>
-              <a:ea typeface="Tahoma" panose="020B0604030504040204" pitchFamily="34" charset="0"/>
-              <a:cs typeface="Tahoma" panose="020B0604030504040204" pitchFamily="34" charset="0"/>
-            </a:endParaRPr>
-          </a:p>
-          <a:p>
-            <a:endParaRPr lang="en-US" dirty="0" smtClean="0">
-              <a:solidFill>
-                <a:srgbClr val="00B050"/>
-              </a:solidFill>
-              <a:latin typeface="Tahoma" panose="020B0604030504040204" pitchFamily="34" charset="0"/>
-              <a:ea typeface="Tahoma" panose="020B0604030504040204" pitchFamily="34" charset="0"/>
-              <a:cs typeface="Tahoma" panose="020B0604030504040204" pitchFamily="34" charset="0"/>
-            </a:endParaRPr>
-          </a:p>
-        </p:txBody>
-      </p:sp>
       <p:pic>
         <p:nvPicPr>
           <p:cNvPr id="8" name="Picture 7"/>
@@ -12841,6 +12587,162 @@
           </a:prstGeom>
         </p:spPr>
       </p:pic>
+      <p:sp>
+        <p:nvSpPr>
+          <p:cNvPr id="10" name="TextBox 9"/>
+          <p:cNvSpPr txBox="1"/>
+          <p:nvPr/>
+        </p:nvSpPr>
+        <p:spPr>
+          <a:xfrm>
+            <a:off x="406682" y="1094197"/>
+            <a:ext cx="11110452" cy="4893647"/>
+          </a:xfrm>
+          <a:prstGeom prst="rect">
+            <a:avLst/>
+          </a:prstGeom>
+          <a:noFill/>
+        </p:spPr>
+        <p:txBody>
+          <a:bodyPr wrap="square" rtlCol="0">
+            <a:spAutoFit/>
+          </a:bodyPr>
+          <a:lstStyle/>
+          <a:p>
+            <a:r>
+              <a:rPr lang="en-US" sz="2400" dirty="0" smtClean="0">
+                <a:solidFill>
+                  <a:srgbClr val="002060"/>
+                </a:solidFill>
+                <a:latin typeface="Tahoma" panose="020B0604030504040204" pitchFamily="34" charset="0"/>
+                <a:ea typeface="Tahoma" panose="020B0604030504040204" pitchFamily="34" charset="0"/>
+                <a:cs typeface="Tahoma" panose="020B0604030504040204" pitchFamily="34" charset="0"/>
+              </a:rPr>
+              <a:t>Contents here</a:t>
+            </a:r>
+          </a:p>
+          <a:p>
+            <a:endParaRPr lang="en-US" sz="2400" dirty="0">
+              <a:solidFill>
+                <a:srgbClr val="002060"/>
+              </a:solidFill>
+              <a:latin typeface="Tahoma" panose="020B0604030504040204" pitchFamily="34" charset="0"/>
+              <a:ea typeface="Tahoma" panose="020B0604030504040204" pitchFamily="34" charset="0"/>
+              <a:cs typeface="Tahoma" panose="020B0604030504040204" pitchFamily="34" charset="0"/>
+            </a:endParaRPr>
+          </a:p>
+          <a:p>
+            <a:endParaRPr lang="en-US" sz="2400" dirty="0" smtClean="0">
+              <a:solidFill>
+                <a:srgbClr val="002060"/>
+              </a:solidFill>
+              <a:latin typeface="Tahoma" panose="020B0604030504040204" pitchFamily="34" charset="0"/>
+              <a:ea typeface="Tahoma" panose="020B0604030504040204" pitchFamily="34" charset="0"/>
+              <a:cs typeface="Tahoma" panose="020B0604030504040204" pitchFamily="34" charset="0"/>
+            </a:endParaRPr>
+          </a:p>
+          <a:p>
+            <a:endParaRPr lang="en-US" sz="2400" dirty="0">
+              <a:solidFill>
+                <a:srgbClr val="002060"/>
+              </a:solidFill>
+              <a:latin typeface="Tahoma" panose="020B0604030504040204" pitchFamily="34" charset="0"/>
+              <a:ea typeface="Tahoma" panose="020B0604030504040204" pitchFamily="34" charset="0"/>
+              <a:cs typeface="Tahoma" panose="020B0604030504040204" pitchFamily="34" charset="0"/>
+            </a:endParaRPr>
+          </a:p>
+          <a:p>
+            <a:endParaRPr lang="en-US" sz="2400" dirty="0" smtClean="0">
+              <a:solidFill>
+                <a:srgbClr val="002060"/>
+              </a:solidFill>
+              <a:latin typeface="Tahoma" panose="020B0604030504040204" pitchFamily="34" charset="0"/>
+              <a:ea typeface="Tahoma" panose="020B0604030504040204" pitchFamily="34" charset="0"/>
+              <a:cs typeface="Tahoma" panose="020B0604030504040204" pitchFamily="34" charset="0"/>
+            </a:endParaRPr>
+          </a:p>
+          <a:p>
+            <a:endParaRPr lang="en-US" sz="2400" dirty="0">
+              <a:solidFill>
+                <a:srgbClr val="002060"/>
+              </a:solidFill>
+              <a:latin typeface="Tahoma" panose="020B0604030504040204" pitchFamily="34" charset="0"/>
+              <a:ea typeface="Tahoma" panose="020B0604030504040204" pitchFamily="34" charset="0"/>
+              <a:cs typeface="Tahoma" panose="020B0604030504040204" pitchFamily="34" charset="0"/>
+            </a:endParaRPr>
+          </a:p>
+          <a:p>
+            <a:endParaRPr lang="en-US" sz="2400" dirty="0" smtClean="0">
+              <a:solidFill>
+                <a:srgbClr val="002060"/>
+              </a:solidFill>
+              <a:latin typeface="Tahoma" panose="020B0604030504040204" pitchFamily="34" charset="0"/>
+              <a:ea typeface="Tahoma" panose="020B0604030504040204" pitchFamily="34" charset="0"/>
+              <a:cs typeface="Tahoma" panose="020B0604030504040204" pitchFamily="34" charset="0"/>
+            </a:endParaRPr>
+          </a:p>
+          <a:p>
+            <a:endParaRPr lang="en-US" sz="2400" dirty="0">
+              <a:solidFill>
+                <a:srgbClr val="002060"/>
+              </a:solidFill>
+              <a:latin typeface="Tahoma" panose="020B0604030504040204" pitchFamily="34" charset="0"/>
+              <a:ea typeface="Tahoma" panose="020B0604030504040204" pitchFamily="34" charset="0"/>
+              <a:cs typeface="Tahoma" panose="020B0604030504040204" pitchFamily="34" charset="0"/>
+            </a:endParaRPr>
+          </a:p>
+          <a:p>
+            <a:endParaRPr lang="en-US" sz="2400" dirty="0" smtClean="0">
+              <a:solidFill>
+                <a:srgbClr val="002060"/>
+              </a:solidFill>
+              <a:latin typeface="Tahoma" panose="020B0604030504040204" pitchFamily="34" charset="0"/>
+              <a:ea typeface="Tahoma" panose="020B0604030504040204" pitchFamily="34" charset="0"/>
+              <a:cs typeface="Tahoma" panose="020B0604030504040204" pitchFamily="34" charset="0"/>
+            </a:endParaRPr>
+          </a:p>
+          <a:p>
+            <a:endParaRPr lang="en-US" sz="2400" dirty="0">
+              <a:solidFill>
+                <a:srgbClr val="002060"/>
+              </a:solidFill>
+              <a:latin typeface="Tahoma" panose="020B0604030504040204" pitchFamily="34" charset="0"/>
+              <a:ea typeface="Tahoma" panose="020B0604030504040204" pitchFamily="34" charset="0"/>
+              <a:cs typeface="Tahoma" panose="020B0604030504040204" pitchFamily="34" charset="0"/>
+            </a:endParaRPr>
+          </a:p>
+          <a:p>
+            <a:endParaRPr lang="en-US" sz="2400" dirty="0" smtClean="0">
+              <a:solidFill>
+                <a:srgbClr val="002060"/>
+              </a:solidFill>
+              <a:latin typeface="Tahoma" panose="020B0604030504040204" pitchFamily="34" charset="0"/>
+              <a:ea typeface="Tahoma" panose="020B0604030504040204" pitchFamily="34" charset="0"/>
+              <a:cs typeface="Tahoma" panose="020B0604030504040204" pitchFamily="34" charset="0"/>
+            </a:endParaRPr>
+          </a:p>
+          <a:p>
+            <a:endParaRPr lang="en-US" sz="2400" dirty="0">
+              <a:solidFill>
+                <a:srgbClr val="002060"/>
+              </a:solidFill>
+              <a:latin typeface="Tahoma" panose="020B0604030504040204" pitchFamily="34" charset="0"/>
+              <a:ea typeface="Tahoma" panose="020B0604030504040204" pitchFamily="34" charset="0"/>
+              <a:cs typeface="Tahoma" panose="020B0604030504040204" pitchFamily="34" charset="0"/>
+            </a:endParaRPr>
+          </a:p>
+          <a:p>
+            <a:endParaRPr lang="en-US" sz="2400" dirty="0" smtClean="0">
+              <a:solidFill>
+                <a:srgbClr val="002060"/>
+              </a:solidFill>
+              <a:latin typeface="Tahoma" panose="020B0604030504040204" pitchFamily="34" charset="0"/>
+              <a:ea typeface="Tahoma" panose="020B0604030504040204" pitchFamily="34" charset="0"/>
+              <a:cs typeface="Tahoma" panose="020B0604030504040204" pitchFamily="34" charset="0"/>
+            </a:endParaRPr>
+          </a:p>
+        </p:txBody>
+      </p:sp>
     </p:spTree>
     <p:extLst>
       <p:ext uri="{BB962C8B-B14F-4D97-AF65-F5344CB8AC3E}">
@@ -12999,192 +12901,6 @@
           </a:p>
         </p:txBody>
       </p:sp>
-      <p:sp>
-        <p:nvSpPr>
-          <p:cNvPr id="9" name="TextBox 8"/>
-          <p:cNvSpPr txBox="1"/>
-          <p:nvPr/>
-        </p:nvSpPr>
-        <p:spPr>
-          <a:xfrm>
-            <a:off x="481780" y="1230820"/>
-            <a:ext cx="11110452" cy="4616648"/>
-          </a:xfrm>
-          <a:prstGeom prst="rect">
-            <a:avLst/>
-          </a:prstGeom>
-          <a:noFill/>
-        </p:spPr>
-        <p:txBody>
-          <a:bodyPr wrap="square" rtlCol="0">
-            <a:spAutoFit/>
-          </a:bodyPr>
-          <a:lstStyle/>
-          <a:p>
-            <a:r>
-              <a:rPr lang="en-US" sz="2400" dirty="0" smtClean="0">
-                <a:solidFill>
-                  <a:srgbClr val="002060"/>
-                </a:solidFill>
-                <a:latin typeface="Tahoma" panose="020B0604030504040204" pitchFamily="34" charset="0"/>
-                <a:ea typeface="Tahoma" panose="020B0604030504040204" pitchFamily="34" charset="0"/>
-                <a:cs typeface="Tahoma" panose="020B0604030504040204" pitchFamily="34" charset="0"/>
-              </a:rPr>
-              <a:t>Contents here</a:t>
-            </a:r>
-          </a:p>
-          <a:p>
-            <a:endParaRPr lang="en-US" dirty="0">
-              <a:solidFill>
-                <a:srgbClr val="00B050"/>
-              </a:solidFill>
-              <a:latin typeface="Tahoma" panose="020B0604030504040204" pitchFamily="34" charset="0"/>
-              <a:ea typeface="Tahoma" panose="020B0604030504040204" pitchFamily="34" charset="0"/>
-              <a:cs typeface="Tahoma" panose="020B0604030504040204" pitchFamily="34" charset="0"/>
-            </a:endParaRPr>
-          </a:p>
-          <a:p>
-            <a:endParaRPr lang="en-US" dirty="0" smtClean="0">
-              <a:solidFill>
-                <a:srgbClr val="00B050"/>
-              </a:solidFill>
-              <a:latin typeface="Tahoma" panose="020B0604030504040204" pitchFamily="34" charset="0"/>
-              <a:ea typeface="Tahoma" panose="020B0604030504040204" pitchFamily="34" charset="0"/>
-              <a:cs typeface="Tahoma" panose="020B0604030504040204" pitchFamily="34" charset="0"/>
-            </a:endParaRPr>
-          </a:p>
-          <a:p>
-            <a:endParaRPr lang="en-US" dirty="0">
-              <a:solidFill>
-                <a:srgbClr val="00B050"/>
-              </a:solidFill>
-              <a:latin typeface="Tahoma" panose="020B0604030504040204" pitchFamily="34" charset="0"/>
-              <a:ea typeface="Tahoma" panose="020B0604030504040204" pitchFamily="34" charset="0"/>
-              <a:cs typeface="Tahoma" panose="020B0604030504040204" pitchFamily="34" charset="0"/>
-            </a:endParaRPr>
-          </a:p>
-          <a:p>
-            <a:endParaRPr lang="en-US" dirty="0" smtClean="0">
-              <a:solidFill>
-                <a:srgbClr val="00B050"/>
-              </a:solidFill>
-              <a:latin typeface="Tahoma" panose="020B0604030504040204" pitchFamily="34" charset="0"/>
-              <a:ea typeface="Tahoma" panose="020B0604030504040204" pitchFamily="34" charset="0"/>
-              <a:cs typeface="Tahoma" panose="020B0604030504040204" pitchFamily="34" charset="0"/>
-            </a:endParaRPr>
-          </a:p>
-          <a:p>
-            <a:endParaRPr lang="en-US" dirty="0">
-              <a:solidFill>
-                <a:srgbClr val="00B050"/>
-              </a:solidFill>
-              <a:latin typeface="Tahoma" panose="020B0604030504040204" pitchFamily="34" charset="0"/>
-              <a:ea typeface="Tahoma" panose="020B0604030504040204" pitchFamily="34" charset="0"/>
-              <a:cs typeface="Tahoma" panose="020B0604030504040204" pitchFamily="34" charset="0"/>
-            </a:endParaRPr>
-          </a:p>
-          <a:p>
-            <a:endParaRPr lang="en-US" dirty="0" smtClean="0">
-              <a:solidFill>
-                <a:srgbClr val="00B050"/>
-              </a:solidFill>
-              <a:latin typeface="Tahoma" panose="020B0604030504040204" pitchFamily="34" charset="0"/>
-              <a:ea typeface="Tahoma" panose="020B0604030504040204" pitchFamily="34" charset="0"/>
-              <a:cs typeface="Tahoma" panose="020B0604030504040204" pitchFamily="34" charset="0"/>
-            </a:endParaRPr>
-          </a:p>
-          <a:p>
-            <a:endParaRPr lang="en-US" dirty="0">
-              <a:solidFill>
-                <a:srgbClr val="00B050"/>
-              </a:solidFill>
-              <a:latin typeface="Tahoma" panose="020B0604030504040204" pitchFamily="34" charset="0"/>
-              <a:ea typeface="Tahoma" panose="020B0604030504040204" pitchFamily="34" charset="0"/>
-              <a:cs typeface="Tahoma" panose="020B0604030504040204" pitchFamily="34" charset="0"/>
-            </a:endParaRPr>
-          </a:p>
-          <a:p>
-            <a:endParaRPr lang="en-US" dirty="0" smtClean="0">
-              <a:solidFill>
-                <a:srgbClr val="00B050"/>
-              </a:solidFill>
-              <a:latin typeface="Tahoma" panose="020B0604030504040204" pitchFamily="34" charset="0"/>
-              <a:ea typeface="Tahoma" panose="020B0604030504040204" pitchFamily="34" charset="0"/>
-              <a:cs typeface="Tahoma" panose="020B0604030504040204" pitchFamily="34" charset="0"/>
-            </a:endParaRPr>
-          </a:p>
-          <a:p>
-            <a:endParaRPr lang="en-US" dirty="0">
-              <a:solidFill>
-                <a:srgbClr val="00B050"/>
-              </a:solidFill>
-              <a:latin typeface="Tahoma" panose="020B0604030504040204" pitchFamily="34" charset="0"/>
-              <a:ea typeface="Tahoma" panose="020B0604030504040204" pitchFamily="34" charset="0"/>
-              <a:cs typeface="Tahoma" panose="020B0604030504040204" pitchFamily="34" charset="0"/>
-            </a:endParaRPr>
-          </a:p>
-          <a:p>
-            <a:endParaRPr lang="en-US" dirty="0" smtClean="0">
-              <a:solidFill>
-                <a:srgbClr val="00B050"/>
-              </a:solidFill>
-              <a:latin typeface="Tahoma" panose="020B0604030504040204" pitchFamily="34" charset="0"/>
-              <a:ea typeface="Tahoma" panose="020B0604030504040204" pitchFamily="34" charset="0"/>
-              <a:cs typeface="Tahoma" panose="020B0604030504040204" pitchFamily="34" charset="0"/>
-            </a:endParaRPr>
-          </a:p>
-          <a:p>
-            <a:endParaRPr lang="en-US" dirty="0">
-              <a:solidFill>
-                <a:srgbClr val="00B050"/>
-              </a:solidFill>
-              <a:latin typeface="Tahoma" panose="020B0604030504040204" pitchFamily="34" charset="0"/>
-              <a:ea typeface="Tahoma" panose="020B0604030504040204" pitchFamily="34" charset="0"/>
-              <a:cs typeface="Tahoma" panose="020B0604030504040204" pitchFamily="34" charset="0"/>
-            </a:endParaRPr>
-          </a:p>
-          <a:p>
-            <a:endParaRPr lang="en-US" dirty="0" smtClean="0">
-              <a:solidFill>
-                <a:srgbClr val="00B050"/>
-              </a:solidFill>
-              <a:latin typeface="Tahoma" panose="020B0604030504040204" pitchFamily="34" charset="0"/>
-              <a:ea typeface="Tahoma" panose="020B0604030504040204" pitchFamily="34" charset="0"/>
-              <a:cs typeface="Tahoma" panose="020B0604030504040204" pitchFamily="34" charset="0"/>
-            </a:endParaRPr>
-          </a:p>
-          <a:p>
-            <a:endParaRPr lang="en-US" dirty="0">
-              <a:solidFill>
-                <a:srgbClr val="00B050"/>
-              </a:solidFill>
-              <a:latin typeface="Tahoma" panose="020B0604030504040204" pitchFamily="34" charset="0"/>
-              <a:ea typeface="Tahoma" panose="020B0604030504040204" pitchFamily="34" charset="0"/>
-              <a:cs typeface="Tahoma" panose="020B0604030504040204" pitchFamily="34" charset="0"/>
-            </a:endParaRPr>
-          </a:p>
-          <a:p>
-            <a:endParaRPr lang="en-US" dirty="0" smtClean="0">
-              <a:solidFill>
-                <a:srgbClr val="00B050"/>
-              </a:solidFill>
-              <a:latin typeface="Tahoma" panose="020B0604030504040204" pitchFamily="34" charset="0"/>
-              <a:ea typeface="Tahoma" panose="020B0604030504040204" pitchFamily="34" charset="0"/>
-              <a:cs typeface="Tahoma" panose="020B0604030504040204" pitchFamily="34" charset="0"/>
-            </a:endParaRPr>
-          </a:p>
-          <a:p>
-            <a:endParaRPr lang="en-US" dirty="0" smtClean="0">
-              <a:solidFill>
-                <a:srgbClr val="00B050"/>
-              </a:solidFill>
-              <a:latin typeface="Tahoma" panose="020B0604030504040204" pitchFamily="34" charset="0"/>
-              <a:ea typeface="Tahoma" panose="020B0604030504040204" pitchFamily="34" charset="0"/>
-              <a:cs typeface="Tahoma" panose="020B0604030504040204" pitchFamily="34" charset="0"/>
-            </a:endParaRPr>
-          </a:p>
-        </p:txBody>
-      </p:sp>
       <p:pic>
         <p:nvPicPr>
           <p:cNvPr id="8" name="Picture 7"/>
@@ -13215,6 +12931,162 @@
           </a:prstGeom>
         </p:spPr>
       </p:pic>
+      <p:sp>
+        <p:nvSpPr>
+          <p:cNvPr id="10" name="TextBox 9"/>
+          <p:cNvSpPr txBox="1"/>
+          <p:nvPr/>
+        </p:nvSpPr>
+        <p:spPr>
+          <a:xfrm>
+            <a:off x="406682" y="1094197"/>
+            <a:ext cx="11110452" cy="4893647"/>
+          </a:xfrm>
+          <a:prstGeom prst="rect">
+            <a:avLst/>
+          </a:prstGeom>
+          <a:noFill/>
+        </p:spPr>
+        <p:txBody>
+          <a:bodyPr wrap="square" rtlCol="0">
+            <a:spAutoFit/>
+          </a:bodyPr>
+          <a:lstStyle/>
+          <a:p>
+            <a:r>
+              <a:rPr lang="en-US" sz="2400" dirty="0" smtClean="0">
+                <a:solidFill>
+                  <a:srgbClr val="002060"/>
+                </a:solidFill>
+                <a:latin typeface="Tahoma" panose="020B0604030504040204" pitchFamily="34" charset="0"/>
+                <a:ea typeface="Tahoma" panose="020B0604030504040204" pitchFamily="34" charset="0"/>
+                <a:cs typeface="Tahoma" panose="020B0604030504040204" pitchFamily="34" charset="0"/>
+              </a:rPr>
+              <a:t>Contents here</a:t>
+            </a:r>
+          </a:p>
+          <a:p>
+            <a:endParaRPr lang="en-US" sz="2400" dirty="0">
+              <a:solidFill>
+                <a:srgbClr val="002060"/>
+              </a:solidFill>
+              <a:latin typeface="Tahoma" panose="020B0604030504040204" pitchFamily="34" charset="0"/>
+              <a:ea typeface="Tahoma" panose="020B0604030504040204" pitchFamily="34" charset="0"/>
+              <a:cs typeface="Tahoma" panose="020B0604030504040204" pitchFamily="34" charset="0"/>
+            </a:endParaRPr>
+          </a:p>
+          <a:p>
+            <a:endParaRPr lang="en-US" sz="2400" dirty="0" smtClean="0">
+              <a:solidFill>
+                <a:srgbClr val="002060"/>
+              </a:solidFill>
+              <a:latin typeface="Tahoma" panose="020B0604030504040204" pitchFamily="34" charset="0"/>
+              <a:ea typeface="Tahoma" panose="020B0604030504040204" pitchFamily="34" charset="0"/>
+              <a:cs typeface="Tahoma" panose="020B0604030504040204" pitchFamily="34" charset="0"/>
+            </a:endParaRPr>
+          </a:p>
+          <a:p>
+            <a:endParaRPr lang="en-US" sz="2400" dirty="0">
+              <a:solidFill>
+                <a:srgbClr val="002060"/>
+              </a:solidFill>
+              <a:latin typeface="Tahoma" panose="020B0604030504040204" pitchFamily="34" charset="0"/>
+              <a:ea typeface="Tahoma" panose="020B0604030504040204" pitchFamily="34" charset="0"/>
+              <a:cs typeface="Tahoma" panose="020B0604030504040204" pitchFamily="34" charset="0"/>
+            </a:endParaRPr>
+          </a:p>
+          <a:p>
+            <a:endParaRPr lang="en-US" sz="2400" dirty="0" smtClean="0">
+              <a:solidFill>
+                <a:srgbClr val="002060"/>
+              </a:solidFill>
+              <a:latin typeface="Tahoma" panose="020B0604030504040204" pitchFamily="34" charset="0"/>
+              <a:ea typeface="Tahoma" panose="020B0604030504040204" pitchFamily="34" charset="0"/>
+              <a:cs typeface="Tahoma" panose="020B0604030504040204" pitchFamily="34" charset="0"/>
+            </a:endParaRPr>
+          </a:p>
+          <a:p>
+            <a:endParaRPr lang="en-US" sz="2400" dirty="0">
+              <a:solidFill>
+                <a:srgbClr val="002060"/>
+              </a:solidFill>
+              <a:latin typeface="Tahoma" panose="020B0604030504040204" pitchFamily="34" charset="0"/>
+              <a:ea typeface="Tahoma" panose="020B0604030504040204" pitchFamily="34" charset="0"/>
+              <a:cs typeface="Tahoma" panose="020B0604030504040204" pitchFamily="34" charset="0"/>
+            </a:endParaRPr>
+          </a:p>
+          <a:p>
+            <a:endParaRPr lang="en-US" sz="2400" dirty="0" smtClean="0">
+              <a:solidFill>
+                <a:srgbClr val="002060"/>
+              </a:solidFill>
+              <a:latin typeface="Tahoma" panose="020B0604030504040204" pitchFamily="34" charset="0"/>
+              <a:ea typeface="Tahoma" panose="020B0604030504040204" pitchFamily="34" charset="0"/>
+              <a:cs typeface="Tahoma" panose="020B0604030504040204" pitchFamily="34" charset="0"/>
+            </a:endParaRPr>
+          </a:p>
+          <a:p>
+            <a:endParaRPr lang="en-US" sz="2400" dirty="0">
+              <a:solidFill>
+                <a:srgbClr val="002060"/>
+              </a:solidFill>
+              <a:latin typeface="Tahoma" panose="020B0604030504040204" pitchFamily="34" charset="0"/>
+              <a:ea typeface="Tahoma" panose="020B0604030504040204" pitchFamily="34" charset="0"/>
+              <a:cs typeface="Tahoma" panose="020B0604030504040204" pitchFamily="34" charset="0"/>
+            </a:endParaRPr>
+          </a:p>
+          <a:p>
+            <a:endParaRPr lang="en-US" sz="2400" dirty="0" smtClean="0">
+              <a:solidFill>
+                <a:srgbClr val="002060"/>
+              </a:solidFill>
+              <a:latin typeface="Tahoma" panose="020B0604030504040204" pitchFamily="34" charset="0"/>
+              <a:ea typeface="Tahoma" panose="020B0604030504040204" pitchFamily="34" charset="0"/>
+              <a:cs typeface="Tahoma" panose="020B0604030504040204" pitchFamily="34" charset="0"/>
+            </a:endParaRPr>
+          </a:p>
+          <a:p>
+            <a:endParaRPr lang="en-US" sz="2400" dirty="0">
+              <a:solidFill>
+                <a:srgbClr val="002060"/>
+              </a:solidFill>
+              <a:latin typeface="Tahoma" panose="020B0604030504040204" pitchFamily="34" charset="0"/>
+              <a:ea typeface="Tahoma" panose="020B0604030504040204" pitchFamily="34" charset="0"/>
+              <a:cs typeface="Tahoma" panose="020B0604030504040204" pitchFamily="34" charset="0"/>
+            </a:endParaRPr>
+          </a:p>
+          <a:p>
+            <a:endParaRPr lang="en-US" sz="2400" dirty="0" smtClean="0">
+              <a:solidFill>
+                <a:srgbClr val="002060"/>
+              </a:solidFill>
+              <a:latin typeface="Tahoma" panose="020B0604030504040204" pitchFamily="34" charset="0"/>
+              <a:ea typeface="Tahoma" panose="020B0604030504040204" pitchFamily="34" charset="0"/>
+              <a:cs typeface="Tahoma" panose="020B0604030504040204" pitchFamily="34" charset="0"/>
+            </a:endParaRPr>
+          </a:p>
+          <a:p>
+            <a:endParaRPr lang="en-US" sz="2400" dirty="0">
+              <a:solidFill>
+                <a:srgbClr val="002060"/>
+              </a:solidFill>
+              <a:latin typeface="Tahoma" panose="020B0604030504040204" pitchFamily="34" charset="0"/>
+              <a:ea typeface="Tahoma" panose="020B0604030504040204" pitchFamily="34" charset="0"/>
+              <a:cs typeface="Tahoma" panose="020B0604030504040204" pitchFamily="34" charset="0"/>
+            </a:endParaRPr>
+          </a:p>
+          <a:p>
+            <a:endParaRPr lang="en-US" sz="2400" dirty="0" smtClean="0">
+              <a:solidFill>
+                <a:srgbClr val="002060"/>
+              </a:solidFill>
+              <a:latin typeface="Tahoma" panose="020B0604030504040204" pitchFamily="34" charset="0"/>
+              <a:ea typeface="Tahoma" panose="020B0604030504040204" pitchFamily="34" charset="0"/>
+              <a:cs typeface="Tahoma" panose="020B0604030504040204" pitchFamily="34" charset="0"/>
+            </a:endParaRPr>
+          </a:p>
+        </p:txBody>
+      </p:sp>
     </p:spTree>
     <p:extLst>
       <p:ext uri="{BB962C8B-B14F-4D97-AF65-F5344CB8AC3E}">
@@ -13373,192 +13245,6 @@
           </a:p>
         </p:txBody>
       </p:sp>
-      <p:sp>
-        <p:nvSpPr>
-          <p:cNvPr id="9" name="TextBox 8"/>
-          <p:cNvSpPr txBox="1"/>
-          <p:nvPr/>
-        </p:nvSpPr>
-        <p:spPr>
-          <a:xfrm>
-            <a:off x="481780" y="1230820"/>
-            <a:ext cx="11110452" cy="4616648"/>
-          </a:xfrm>
-          <a:prstGeom prst="rect">
-            <a:avLst/>
-          </a:prstGeom>
-          <a:noFill/>
-        </p:spPr>
-        <p:txBody>
-          <a:bodyPr wrap="square" rtlCol="0">
-            <a:spAutoFit/>
-          </a:bodyPr>
-          <a:lstStyle/>
-          <a:p>
-            <a:r>
-              <a:rPr lang="en-US" sz="2400" dirty="0" smtClean="0">
-                <a:solidFill>
-                  <a:srgbClr val="002060"/>
-                </a:solidFill>
-                <a:latin typeface="Tahoma" panose="020B0604030504040204" pitchFamily="34" charset="0"/>
-                <a:ea typeface="Tahoma" panose="020B0604030504040204" pitchFamily="34" charset="0"/>
-                <a:cs typeface="Tahoma" panose="020B0604030504040204" pitchFamily="34" charset="0"/>
-              </a:rPr>
-              <a:t>Contents here</a:t>
-            </a:r>
-          </a:p>
-          <a:p>
-            <a:endParaRPr lang="en-US" dirty="0">
-              <a:solidFill>
-                <a:srgbClr val="00B050"/>
-              </a:solidFill>
-              <a:latin typeface="Tahoma" panose="020B0604030504040204" pitchFamily="34" charset="0"/>
-              <a:ea typeface="Tahoma" panose="020B0604030504040204" pitchFamily="34" charset="0"/>
-              <a:cs typeface="Tahoma" panose="020B0604030504040204" pitchFamily="34" charset="0"/>
-            </a:endParaRPr>
-          </a:p>
-          <a:p>
-            <a:endParaRPr lang="en-US" dirty="0" smtClean="0">
-              <a:solidFill>
-                <a:srgbClr val="00B050"/>
-              </a:solidFill>
-              <a:latin typeface="Tahoma" panose="020B0604030504040204" pitchFamily="34" charset="0"/>
-              <a:ea typeface="Tahoma" panose="020B0604030504040204" pitchFamily="34" charset="0"/>
-              <a:cs typeface="Tahoma" panose="020B0604030504040204" pitchFamily="34" charset="0"/>
-            </a:endParaRPr>
-          </a:p>
-          <a:p>
-            <a:endParaRPr lang="en-US" dirty="0">
-              <a:solidFill>
-                <a:srgbClr val="00B050"/>
-              </a:solidFill>
-              <a:latin typeface="Tahoma" panose="020B0604030504040204" pitchFamily="34" charset="0"/>
-              <a:ea typeface="Tahoma" panose="020B0604030504040204" pitchFamily="34" charset="0"/>
-              <a:cs typeface="Tahoma" panose="020B0604030504040204" pitchFamily="34" charset="0"/>
-            </a:endParaRPr>
-          </a:p>
-          <a:p>
-            <a:endParaRPr lang="en-US" dirty="0" smtClean="0">
-              <a:solidFill>
-                <a:srgbClr val="00B050"/>
-              </a:solidFill>
-              <a:latin typeface="Tahoma" panose="020B0604030504040204" pitchFamily="34" charset="0"/>
-              <a:ea typeface="Tahoma" panose="020B0604030504040204" pitchFamily="34" charset="0"/>
-              <a:cs typeface="Tahoma" panose="020B0604030504040204" pitchFamily="34" charset="0"/>
-            </a:endParaRPr>
-          </a:p>
-          <a:p>
-            <a:endParaRPr lang="en-US" dirty="0">
-              <a:solidFill>
-                <a:srgbClr val="00B050"/>
-              </a:solidFill>
-              <a:latin typeface="Tahoma" panose="020B0604030504040204" pitchFamily="34" charset="0"/>
-              <a:ea typeface="Tahoma" panose="020B0604030504040204" pitchFamily="34" charset="0"/>
-              <a:cs typeface="Tahoma" panose="020B0604030504040204" pitchFamily="34" charset="0"/>
-            </a:endParaRPr>
-          </a:p>
-          <a:p>
-            <a:endParaRPr lang="en-US" dirty="0" smtClean="0">
-              <a:solidFill>
-                <a:srgbClr val="00B050"/>
-              </a:solidFill>
-              <a:latin typeface="Tahoma" panose="020B0604030504040204" pitchFamily="34" charset="0"/>
-              <a:ea typeface="Tahoma" panose="020B0604030504040204" pitchFamily="34" charset="0"/>
-              <a:cs typeface="Tahoma" panose="020B0604030504040204" pitchFamily="34" charset="0"/>
-            </a:endParaRPr>
-          </a:p>
-          <a:p>
-            <a:endParaRPr lang="en-US" dirty="0">
-              <a:solidFill>
-                <a:srgbClr val="00B050"/>
-              </a:solidFill>
-              <a:latin typeface="Tahoma" panose="020B0604030504040204" pitchFamily="34" charset="0"/>
-              <a:ea typeface="Tahoma" panose="020B0604030504040204" pitchFamily="34" charset="0"/>
-              <a:cs typeface="Tahoma" panose="020B0604030504040204" pitchFamily="34" charset="0"/>
-            </a:endParaRPr>
-          </a:p>
-          <a:p>
-            <a:endParaRPr lang="en-US" dirty="0" smtClean="0">
-              <a:solidFill>
-                <a:srgbClr val="00B050"/>
-              </a:solidFill>
-              <a:latin typeface="Tahoma" panose="020B0604030504040204" pitchFamily="34" charset="0"/>
-              <a:ea typeface="Tahoma" panose="020B0604030504040204" pitchFamily="34" charset="0"/>
-              <a:cs typeface="Tahoma" panose="020B0604030504040204" pitchFamily="34" charset="0"/>
-            </a:endParaRPr>
-          </a:p>
-          <a:p>
-            <a:endParaRPr lang="en-US" dirty="0">
-              <a:solidFill>
-                <a:srgbClr val="00B050"/>
-              </a:solidFill>
-              <a:latin typeface="Tahoma" panose="020B0604030504040204" pitchFamily="34" charset="0"/>
-              <a:ea typeface="Tahoma" panose="020B0604030504040204" pitchFamily="34" charset="0"/>
-              <a:cs typeface="Tahoma" panose="020B0604030504040204" pitchFamily="34" charset="0"/>
-            </a:endParaRPr>
-          </a:p>
-          <a:p>
-            <a:endParaRPr lang="en-US" dirty="0" smtClean="0">
-              <a:solidFill>
-                <a:srgbClr val="00B050"/>
-              </a:solidFill>
-              <a:latin typeface="Tahoma" panose="020B0604030504040204" pitchFamily="34" charset="0"/>
-              <a:ea typeface="Tahoma" panose="020B0604030504040204" pitchFamily="34" charset="0"/>
-              <a:cs typeface="Tahoma" panose="020B0604030504040204" pitchFamily="34" charset="0"/>
-            </a:endParaRPr>
-          </a:p>
-          <a:p>
-            <a:endParaRPr lang="en-US" dirty="0">
-              <a:solidFill>
-                <a:srgbClr val="00B050"/>
-              </a:solidFill>
-              <a:latin typeface="Tahoma" panose="020B0604030504040204" pitchFamily="34" charset="0"/>
-              <a:ea typeface="Tahoma" panose="020B0604030504040204" pitchFamily="34" charset="0"/>
-              <a:cs typeface="Tahoma" panose="020B0604030504040204" pitchFamily="34" charset="0"/>
-            </a:endParaRPr>
-          </a:p>
-          <a:p>
-            <a:endParaRPr lang="en-US" dirty="0" smtClean="0">
-              <a:solidFill>
-                <a:srgbClr val="00B050"/>
-              </a:solidFill>
-              <a:latin typeface="Tahoma" panose="020B0604030504040204" pitchFamily="34" charset="0"/>
-              <a:ea typeface="Tahoma" panose="020B0604030504040204" pitchFamily="34" charset="0"/>
-              <a:cs typeface="Tahoma" panose="020B0604030504040204" pitchFamily="34" charset="0"/>
-            </a:endParaRPr>
-          </a:p>
-          <a:p>
-            <a:endParaRPr lang="en-US" dirty="0">
-              <a:solidFill>
-                <a:srgbClr val="00B050"/>
-              </a:solidFill>
-              <a:latin typeface="Tahoma" panose="020B0604030504040204" pitchFamily="34" charset="0"/>
-              <a:ea typeface="Tahoma" panose="020B0604030504040204" pitchFamily="34" charset="0"/>
-              <a:cs typeface="Tahoma" panose="020B0604030504040204" pitchFamily="34" charset="0"/>
-            </a:endParaRPr>
-          </a:p>
-          <a:p>
-            <a:endParaRPr lang="en-US" dirty="0" smtClean="0">
-              <a:solidFill>
-                <a:srgbClr val="00B050"/>
-              </a:solidFill>
-              <a:latin typeface="Tahoma" panose="020B0604030504040204" pitchFamily="34" charset="0"/>
-              <a:ea typeface="Tahoma" panose="020B0604030504040204" pitchFamily="34" charset="0"/>
-              <a:cs typeface="Tahoma" panose="020B0604030504040204" pitchFamily="34" charset="0"/>
-            </a:endParaRPr>
-          </a:p>
-          <a:p>
-            <a:endParaRPr lang="en-US" dirty="0" smtClean="0">
-              <a:solidFill>
-                <a:srgbClr val="00B050"/>
-              </a:solidFill>
-              <a:latin typeface="Tahoma" panose="020B0604030504040204" pitchFamily="34" charset="0"/>
-              <a:ea typeface="Tahoma" panose="020B0604030504040204" pitchFamily="34" charset="0"/>
-              <a:cs typeface="Tahoma" panose="020B0604030504040204" pitchFamily="34" charset="0"/>
-            </a:endParaRPr>
-          </a:p>
-        </p:txBody>
-      </p:sp>
       <p:pic>
         <p:nvPicPr>
           <p:cNvPr id="8" name="Picture 7"/>
@@ -13589,6 +13275,162 @@
           </a:prstGeom>
         </p:spPr>
       </p:pic>
+      <p:sp>
+        <p:nvSpPr>
+          <p:cNvPr id="10" name="TextBox 9"/>
+          <p:cNvSpPr txBox="1"/>
+          <p:nvPr/>
+        </p:nvSpPr>
+        <p:spPr>
+          <a:xfrm>
+            <a:off x="406682" y="1094197"/>
+            <a:ext cx="11110452" cy="4893647"/>
+          </a:xfrm>
+          <a:prstGeom prst="rect">
+            <a:avLst/>
+          </a:prstGeom>
+          <a:noFill/>
+        </p:spPr>
+        <p:txBody>
+          <a:bodyPr wrap="square" rtlCol="0">
+            <a:spAutoFit/>
+          </a:bodyPr>
+          <a:lstStyle/>
+          <a:p>
+            <a:r>
+              <a:rPr lang="en-US" sz="2400" dirty="0" smtClean="0">
+                <a:solidFill>
+                  <a:srgbClr val="002060"/>
+                </a:solidFill>
+                <a:latin typeface="Tahoma" panose="020B0604030504040204" pitchFamily="34" charset="0"/>
+                <a:ea typeface="Tahoma" panose="020B0604030504040204" pitchFamily="34" charset="0"/>
+                <a:cs typeface="Tahoma" panose="020B0604030504040204" pitchFamily="34" charset="0"/>
+              </a:rPr>
+              <a:t>Contents here</a:t>
+            </a:r>
+          </a:p>
+          <a:p>
+            <a:endParaRPr lang="en-US" sz="2400" dirty="0">
+              <a:solidFill>
+                <a:srgbClr val="002060"/>
+              </a:solidFill>
+              <a:latin typeface="Tahoma" panose="020B0604030504040204" pitchFamily="34" charset="0"/>
+              <a:ea typeface="Tahoma" panose="020B0604030504040204" pitchFamily="34" charset="0"/>
+              <a:cs typeface="Tahoma" panose="020B0604030504040204" pitchFamily="34" charset="0"/>
+            </a:endParaRPr>
+          </a:p>
+          <a:p>
+            <a:endParaRPr lang="en-US" sz="2400" dirty="0" smtClean="0">
+              <a:solidFill>
+                <a:srgbClr val="002060"/>
+              </a:solidFill>
+              <a:latin typeface="Tahoma" panose="020B0604030504040204" pitchFamily="34" charset="0"/>
+              <a:ea typeface="Tahoma" panose="020B0604030504040204" pitchFamily="34" charset="0"/>
+              <a:cs typeface="Tahoma" panose="020B0604030504040204" pitchFamily="34" charset="0"/>
+            </a:endParaRPr>
+          </a:p>
+          <a:p>
+            <a:endParaRPr lang="en-US" sz="2400" dirty="0">
+              <a:solidFill>
+                <a:srgbClr val="002060"/>
+              </a:solidFill>
+              <a:latin typeface="Tahoma" panose="020B0604030504040204" pitchFamily="34" charset="0"/>
+              <a:ea typeface="Tahoma" panose="020B0604030504040204" pitchFamily="34" charset="0"/>
+              <a:cs typeface="Tahoma" panose="020B0604030504040204" pitchFamily="34" charset="0"/>
+            </a:endParaRPr>
+          </a:p>
+          <a:p>
+            <a:endParaRPr lang="en-US" sz="2400" dirty="0" smtClean="0">
+              <a:solidFill>
+                <a:srgbClr val="002060"/>
+              </a:solidFill>
+              <a:latin typeface="Tahoma" panose="020B0604030504040204" pitchFamily="34" charset="0"/>
+              <a:ea typeface="Tahoma" panose="020B0604030504040204" pitchFamily="34" charset="0"/>
+              <a:cs typeface="Tahoma" panose="020B0604030504040204" pitchFamily="34" charset="0"/>
+            </a:endParaRPr>
+          </a:p>
+          <a:p>
+            <a:endParaRPr lang="en-US" sz="2400" dirty="0">
+              <a:solidFill>
+                <a:srgbClr val="002060"/>
+              </a:solidFill>
+              <a:latin typeface="Tahoma" panose="020B0604030504040204" pitchFamily="34" charset="0"/>
+              <a:ea typeface="Tahoma" panose="020B0604030504040204" pitchFamily="34" charset="0"/>
+              <a:cs typeface="Tahoma" panose="020B0604030504040204" pitchFamily="34" charset="0"/>
+            </a:endParaRPr>
+          </a:p>
+          <a:p>
+            <a:endParaRPr lang="en-US" sz="2400" dirty="0" smtClean="0">
+              <a:solidFill>
+                <a:srgbClr val="002060"/>
+              </a:solidFill>
+              <a:latin typeface="Tahoma" panose="020B0604030504040204" pitchFamily="34" charset="0"/>
+              <a:ea typeface="Tahoma" panose="020B0604030504040204" pitchFamily="34" charset="0"/>
+              <a:cs typeface="Tahoma" panose="020B0604030504040204" pitchFamily="34" charset="0"/>
+            </a:endParaRPr>
+          </a:p>
+          <a:p>
+            <a:endParaRPr lang="en-US" sz="2400" dirty="0">
+              <a:solidFill>
+                <a:srgbClr val="002060"/>
+              </a:solidFill>
+              <a:latin typeface="Tahoma" panose="020B0604030504040204" pitchFamily="34" charset="0"/>
+              <a:ea typeface="Tahoma" panose="020B0604030504040204" pitchFamily="34" charset="0"/>
+              <a:cs typeface="Tahoma" panose="020B0604030504040204" pitchFamily="34" charset="0"/>
+            </a:endParaRPr>
+          </a:p>
+          <a:p>
+            <a:endParaRPr lang="en-US" sz="2400" dirty="0" smtClean="0">
+              <a:solidFill>
+                <a:srgbClr val="002060"/>
+              </a:solidFill>
+              <a:latin typeface="Tahoma" panose="020B0604030504040204" pitchFamily="34" charset="0"/>
+              <a:ea typeface="Tahoma" panose="020B0604030504040204" pitchFamily="34" charset="0"/>
+              <a:cs typeface="Tahoma" panose="020B0604030504040204" pitchFamily="34" charset="0"/>
+            </a:endParaRPr>
+          </a:p>
+          <a:p>
+            <a:endParaRPr lang="en-US" sz="2400" dirty="0">
+              <a:solidFill>
+                <a:srgbClr val="002060"/>
+              </a:solidFill>
+              <a:latin typeface="Tahoma" panose="020B0604030504040204" pitchFamily="34" charset="0"/>
+              <a:ea typeface="Tahoma" panose="020B0604030504040204" pitchFamily="34" charset="0"/>
+              <a:cs typeface="Tahoma" panose="020B0604030504040204" pitchFamily="34" charset="0"/>
+            </a:endParaRPr>
+          </a:p>
+          <a:p>
+            <a:endParaRPr lang="en-US" sz="2400" dirty="0" smtClean="0">
+              <a:solidFill>
+                <a:srgbClr val="002060"/>
+              </a:solidFill>
+              <a:latin typeface="Tahoma" panose="020B0604030504040204" pitchFamily="34" charset="0"/>
+              <a:ea typeface="Tahoma" panose="020B0604030504040204" pitchFamily="34" charset="0"/>
+              <a:cs typeface="Tahoma" panose="020B0604030504040204" pitchFamily="34" charset="0"/>
+            </a:endParaRPr>
+          </a:p>
+          <a:p>
+            <a:endParaRPr lang="en-US" sz="2400" dirty="0">
+              <a:solidFill>
+                <a:srgbClr val="002060"/>
+              </a:solidFill>
+              <a:latin typeface="Tahoma" panose="020B0604030504040204" pitchFamily="34" charset="0"/>
+              <a:ea typeface="Tahoma" panose="020B0604030504040204" pitchFamily="34" charset="0"/>
+              <a:cs typeface="Tahoma" panose="020B0604030504040204" pitchFamily="34" charset="0"/>
+            </a:endParaRPr>
+          </a:p>
+          <a:p>
+            <a:endParaRPr lang="en-US" sz="2400" dirty="0" smtClean="0">
+              <a:solidFill>
+                <a:srgbClr val="002060"/>
+              </a:solidFill>
+              <a:latin typeface="Tahoma" panose="020B0604030504040204" pitchFamily="34" charset="0"/>
+              <a:ea typeface="Tahoma" panose="020B0604030504040204" pitchFamily="34" charset="0"/>
+              <a:cs typeface="Tahoma" panose="020B0604030504040204" pitchFamily="34" charset="0"/>
+            </a:endParaRPr>
+          </a:p>
+        </p:txBody>
+      </p:sp>
     </p:spTree>
     <p:extLst>
       <p:ext uri="{BB962C8B-B14F-4D97-AF65-F5344CB8AC3E}">
